--- a/Documentação/Report Structures.pptx
+++ b/Documentação/Report Structures.pptx
@@ -6,6 +6,7 @@
   </p:sldMasterIdLst>
   <p:sldIdLst>
     <p:sldId id="261" r:id="rId2"/>
+    <p:sldId id="262" r:id="rId3"/>
   </p:sldIdLst>
   <p:sldSz cx="9906000" cy="6858000" type="A4"/>
   <p:notesSz cx="6858000" cy="9144000"/>
@@ -6047,6 +6048,3324 @@
       <p:grpSp>
         <p:nvGrpSpPr>
           <p:cNvPr id="153" name="Group 152"/>
+          <p:cNvGrpSpPr/>
+          <p:nvPr/>
+        </p:nvGrpSpPr>
+        <p:grpSpPr>
+          <a:xfrm rot="16200000">
+            <a:off x="4800866" y="1188704"/>
+            <a:ext cx="160974" cy="221934"/>
+            <a:chOff x="4810124" y="4929199"/>
+            <a:chExt cx="260352" cy="428627"/>
+          </a:xfrm>
+        </p:grpSpPr>
+        <p:cxnSp>
+          <p:nvCxnSpPr>
+            <p:cNvPr id="154" name="Straight Connector 153"/>
+            <p:cNvCxnSpPr/>
+            <p:nvPr/>
+          </p:nvCxnSpPr>
+          <p:spPr>
+            <a:xfrm flipV="1">
+              <a:off x="4810124" y="4929199"/>
+              <a:ext cx="252572" cy="214313"/>
+            </a:xfrm>
+            <a:prstGeom prst="line">
+              <a:avLst/>
+            </a:prstGeom>
+            <a:ln>
+              <a:solidFill>
+                <a:schemeClr val="bg1">
+                  <a:lumMod val="50000"/>
+                </a:schemeClr>
+              </a:solidFill>
+            </a:ln>
+          </p:spPr>
+          <p:style>
+            <a:lnRef idx="1">
+              <a:schemeClr val="dk1"/>
+            </a:lnRef>
+            <a:fillRef idx="0">
+              <a:schemeClr val="dk1"/>
+            </a:fillRef>
+            <a:effectRef idx="0">
+              <a:schemeClr val="dk1"/>
+            </a:effectRef>
+            <a:fontRef idx="minor">
+              <a:schemeClr val="tx1"/>
+            </a:fontRef>
+          </p:style>
+        </p:cxnSp>
+        <p:cxnSp>
+          <p:nvCxnSpPr>
+            <p:cNvPr id="156" name="Straight Connector 155"/>
+            <p:cNvCxnSpPr/>
+            <p:nvPr/>
+          </p:nvCxnSpPr>
+          <p:spPr>
+            <a:xfrm>
+              <a:off x="4817904" y="5143513"/>
+              <a:ext cx="252572" cy="214313"/>
+            </a:xfrm>
+            <a:prstGeom prst="line">
+              <a:avLst/>
+            </a:prstGeom>
+            <a:ln>
+              <a:solidFill>
+                <a:schemeClr val="bg1">
+                  <a:lumMod val="50000"/>
+                </a:schemeClr>
+              </a:solidFill>
+            </a:ln>
+          </p:spPr>
+          <p:style>
+            <a:lnRef idx="1">
+              <a:schemeClr val="dk1"/>
+            </a:lnRef>
+            <a:fillRef idx="0">
+              <a:schemeClr val="dk1"/>
+            </a:fillRef>
+            <a:effectRef idx="0">
+              <a:schemeClr val="dk1"/>
+            </a:effectRef>
+            <a:fontRef idx="minor">
+              <a:schemeClr val="tx1"/>
+            </a:fontRef>
+          </p:style>
+        </p:cxnSp>
+      </p:grpSp>
+      <p:sp>
+        <p:nvSpPr>
+          <p:cNvPr id="115" name="Flowchart: Process 114"/>
+          <p:cNvSpPr/>
+          <p:nvPr/>
+        </p:nvSpPr>
+        <p:spPr>
+          <a:xfrm>
+            <a:off x="4274339" y="714356"/>
+            <a:ext cx="1214446" cy="496819"/>
+          </a:xfrm>
+          <a:prstGeom prst="flowChartProcess">
+            <a:avLst/>
+          </a:prstGeom>
+        </p:spPr>
+        <p:style>
+          <a:lnRef idx="2">
+            <a:schemeClr val="accent2"/>
+          </a:lnRef>
+          <a:fillRef idx="1">
+            <a:schemeClr val="lt1"/>
+          </a:fillRef>
+          <a:effectRef idx="0">
+            <a:schemeClr val="accent2"/>
+          </a:effectRef>
+          <a:fontRef idx="minor">
+            <a:schemeClr val="dk1"/>
+          </a:fontRef>
+        </p:style>
+        <p:txBody>
+          <a:bodyPr wrap="none" rtlCol="0" anchor="ctr"/>
+          <a:lstStyle/>
+          <a:p>
+            <a:pPr algn="ctr"/>
+            <a:r>
+              <a:rPr lang="pt-PT" dirty="0" smtClean="0"/>
+              <a:t>Loja</a:t>
+            </a:r>
+            <a:endParaRPr lang="en-US" dirty="0"/>
+          </a:p>
+        </p:txBody>
+      </p:sp>
+      <p:sp>
+        <p:nvSpPr>
+          <p:cNvPr id="159" name="TextBox 158"/>
+          <p:cNvSpPr txBox="1"/>
+          <p:nvPr/>
+        </p:nvSpPr>
+        <p:spPr>
+          <a:xfrm>
+            <a:off x="4505321" y="1201722"/>
+            <a:ext cx="338554" cy="215444"/>
+          </a:xfrm>
+          <a:prstGeom prst="rect">
+            <a:avLst/>
+          </a:prstGeom>
+          <a:noFill/>
+        </p:spPr>
+        <p:txBody>
+          <a:bodyPr wrap="none" rtlCol="0">
+            <a:spAutoFit/>
+          </a:bodyPr>
+          <a:lstStyle/>
+          <a:p>
+            <a:r>
+              <a:rPr lang="pt-PT" sz="800" dirty="0" smtClean="0">
+                <a:solidFill>
+                  <a:schemeClr val="tx1">
+                    <a:lumMod val="65000"/>
+                    <a:lumOff val="35000"/>
+                  </a:schemeClr>
+                </a:solidFill>
+              </a:rPr>
+              <a:t>1..*</a:t>
+            </a:r>
+            <a:endParaRPr lang="pt-PT" sz="800" dirty="0">
+              <a:solidFill>
+                <a:schemeClr val="tx1">
+                  <a:lumMod val="65000"/>
+                  <a:lumOff val="35000"/>
+                </a:schemeClr>
+              </a:solidFill>
+            </a:endParaRPr>
+          </a:p>
+        </p:txBody>
+      </p:sp>
+      <p:sp>
+        <p:nvSpPr>
+          <p:cNvPr id="160" name="TextBox 159"/>
+          <p:cNvSpPr txBox="1"/>
+          <p:nvPr/>
+        </p:nvSpPr>
+        <p:spPr>
+          <a:xfrm>
+            <a:off x="4505321" y="2003415"/>
+            <a:ext cx="338554" cy="215444"/>
+          </a:xfrm>
+          <a:prstGeom prst="rect">
+            <a:avLst/>
+          </a:prstGeom>
+          <a:noFill/>
+        </p:spPr>
+        <p:txBody>
+          <a:bodyPr wrap="none" rtlCol="0">
+            <a:spAutoFit/>
+          </a:bodyPr>
+          <a:lstStyle/>
+          <a:p>
+            <a:r>
+              <a:rPr lang="pt-PT" sz="800" dirty="0" smtClean="0">
+                <a:solidFill>
+                  <a:schemeClr val="tx1">
+                    <a:lumMod val="65000"/>
+                    <a:lumOff val="35000"/>
+                  </a:schemeClr>
+                </a:solidFill>
+              </a:rPr>
+              <a:t>1..*</a:t>
+            </a:r>
+            <a:endParaRPr lang="pt-PT" sz="800" dirty="0">
+              <a:solidFill>
+                <a:schemeClr val="tx1">
+                  <a:lumMod val="65000"/>
+                  <a:lumOff val="35000"/>
+                </a:schemeClr>
+              </a:solidFill>
+            </a:endParaRPr>
+          </a:p>
+        </p:txBody>
+      </p:sp>
+      <p:sp>
+        <p:nvSpPr>
+          <p:cNvPr id="162" name="Oval 161"/>
+          <p:cNvSpPr/>
+          <p:nvPr/>
+        </p:nvSpPr>
+        <p:spPr>
+          <a:xfrm>
+            <a:off x="2666984" y="1204217"/>
+            <a:ext cx="1285884" cy="367395"/>
+          </a:xfrm>
+          <a:prstGeom prst="ellipse">
+            <a:avLst/>
+          </a:prstGeom>
+          <a:ln>
+            <a:solidFill>
+              <a:srgbClr val="FFC000"/>
+            </a:solidFill>
+          </a:ln>
+        </p:spPr>
+        <p:style>
+          <a:lnRef idx="2">
+            <a:schemeClr val="accent3"/>
+          </a:lnRef>
+          <a:fillRef idx="1">
+            <a:schemeClr val="lt1"/>
+          </a:fillRef>
+          <a:effectRef idx="0">
+            <a:schemeClr val="accent3"/>
+          </a:effectRef>
+          <a:fontRef idx="minor">
+            <a:schemeClr val="dk1"/>
+          </a:fontRef>
+        </p:style>
+        <p:txBody>
+          <a:bodyPr wrap="none" rtlCol="0" anchor="ctr"/>
+          <a:lstStyle/>
+          <a:p>
+            <a:pPr algn="ctr"/>
+            <a:r>
+              <a:rPr lang="pt-PT" sz="1200" dirty="0" smtClean="0"/>
+              <a:t>nome</a:t>
+            </a:r>
+            <a:endParaRPr lang="en-US" sz="1200" dirty="0"/>
+          </a:p>
+        </p:txBody>
+      </p:sp>
+      <p:cxnSp>
+        <p:nvCxnSpPr>
+          <p:cNvPr id="163" name="Straight Connector 162"/>
+          <p:cNvCxnSpPr>
+            <a:stCxn id="162" idx="7"/>
+            <a:endCxn id="115" idx="1"/>
+          </p:cNvCxnSpPr>
+          <p:nvPr/>
+        </p:nvCxnSpPr>
+        <p:spPr>
+          <a:xfrm rot="5400000" flipH="1" flipV="1">
+            <a:off x="3871820" y="855502"/>
+            <a:ext cx="295255" cy="509784"/>
+          </a:xfrm>
+          <a:prstGeom prst="line">
+            <a:avLst/>
+          </a:prstGeom>
+          <a:ln>
+            <a:solidFill>
+              <a:schemeClr val="bg1">
+                <a:lumMod val="65000"/>
+              </a:schemeClr>
+            </a:solidFill>
+          </a:ln>
+        </p:spPr>
+        <p:style>
+          <a:lnRef idx="1">
+            <a:schemeClr val="accent1"/>
+          </a:lnRef>
+          <a:fillRef idx="0">
+            <a:schemeClr val="accent1"/>
+          </a:fillRef>
+          <a:effectRef idx="0">
+            <a:schemeClr val="accent1"/>
+          </a:effectRef>
+          <a:fontRef idx="minor">
+            <a:schemeClr val="tx1"/>
+          </a:fontRef>
+        </p:style>
+      </p:cxnSp>
+    </p:spTree>
+  </p:cSld>
+  <p:clrMapOvr>
+    <a:masterClrMapping/>
+  </p:clrMapOvr>
+  <p:timing>
+    <p:tnLst>
+      <p:par>
+        <p:cTn id="1" dur="indefinite" restart="never" nodeType="tmRoot"/>
+      </p:par>
+    </p:tnLst>
+  </p:timing>
+</p:sld>
+</file>
+
+<file path=ppt/slides/slide2.xml><?xml version="1.0" encoding="utf-8"?>
+<p:sld xmlns:a="http://schemas.openxmlformats.org/drawingml/2006/main" xmlns:r="http://schemas.openxmlformats.org/officeDocument/2006/relationships" xmlns:p="http://schemas.openxmlformats.org/presentationml/2006/main">
+  <p:cSld>
+    <p:spTree>
+      <p:nvGrpSpPr>
+        <p:cNvPr id="1" name=""/>
+        <p:cNvGrpSpPr/>
+        <p:nvPr/>
+      </p:nvGrpSpPr>
+      <p:grpSpPr>
+        <a:xfrm>
+          <a:off x="0" y="0"/>
+          <a:ext cx="0" cy="0"/>
+          <a:chOff x="0" y="0"/>
+          <a:chExt cx="0" cy="0"/>
+        </a:xfrm>
+      </p:grpSpPr>
+      <p:cxnSp>
+        <p:nvCxnSpPr>
+          <p:cNvPr id="184" name="Elbow Connector 183"/>
+          <p:cNvCxnSpPr>
+            <a:stCxn id="18" idx="2"/>
+            <a:endCxn id="129" idx="3"/>
+          </p:cNvCxnSpPr>
+          <p:nvPr/>
+        </p:nvCxnSpPr>
+        <p:spPr>
+          <a:xfrm rot="5400000">
+            <a:off x="5325763" y="4301566"/>
+            <a:ext cx="1130914" cy="804870"/>
+          </a:xfrm>
+          <a:prstGeom prst="bentConnector2">
+            <a:avLst/>
+          </a:prstGeom>
+          <a:ln>
+            <a:solidFill>
+              <a:schemeClr val="bg1">
+                <a:lumMod val="65000"/>
+              </a:schemeClr>
+            </a:solidFill>
+          </a:ln>
+        </p:spPr>
+        <p:style>
+          <a:lnRef idx="1">
+            <a:schemeClr val="accent1"/>
+          </a:lnRef>
+          <a:fillRef idx="0">
+            <a:schemeClr val="accent1"/>
+          </a:fillRef>
+          <a:effectRef idx="0">
+            <a:schemeClr val="accent1"/>
+          </a:effectRef>
+          <a:fontRef idx="minor">
+            <a:schemeClr val="tx1"/>
+          </a:fontRef>
+        </p:style>
+      </p:cxnSp>
+      <p:cxnSp>
+        <p:nvCxnSpPr>
+          <p:cNvPr id="31" name="Elbow Connector 13"/>
+          <p:cNvCxnSpPr>
+            <a:stCxn id="5" idx="2"/>
+            <a:endCxn id="18" idx="0"/>
+          </p:cNvCxnSpPr>
+          <p:nvPr/>
+        </p:nvCxnSpPr>
+        <p:spPr>
+          <a:xfrm rot="16200000" flipH="1">
+            <a:off x="5118499" y="2466568"/>
+            <a:ext cx="938219" cy="1412093"/>
+          </a:xfrm>
+          <a:prstGeom prst="bentConnector3">
+            <a:avLst>
+              <a:gd name="adj1" fmla="val 50000"/>
+            </a:avLst>
+          </a:prstGeom>
+          <a:ln>
+            <a:solidFill>
+              <a:schemeClr val="bg1">
+                <a:lumMod val="65000"/>
+              </a:schemeClr>
+            </a:solidFill>
+            <a:headEnd type="triangle"/>
+          </a:ln>
+        </p:spPr>
+        <p:style>
+          <a:lnRef idx="1">
+            <a:schemeClr val="accent1"/>
+          </a:lnRef>
+          <a:fillRef idx="0">
+            <a:schemeClr val="accent1"/>
+          </a:fillRef>
+          <a:effectRef idx="0">
+            <a:schemeClr val="accent1"/>
+          </a:effectRef>
+          <a:fontRef idx="minor">
+            <a:schemeClr val="tx1"/>
+          </a:fontRef>
+        </p:style>
+      </p:cxnSp>
+      <p:sp>
+        <p:nvSpPr>
+          <p:cNvPr id="73" name="Oval 72"/>
+          <p:cNvSpPr/>
+          <p:nvPr/>
+        </p:nvSpPr>
+        <p:spPr>
+          <a:xfrm>
+            <a:off x="5595942" y="1573198"/>
+            <a:ext cx="1285884" cy="367395"/>
+          </a:xfrm>
+          <a:prstGeom prst="ellipse">
+            <a:avLst/>
+          </a:prstGeom>
+          <a:ln>
+            <a:solidFill>
+              <a:srgbClr val="FFC000"/>
+            </a:solidFill>
+          </a:ln>
+        </p:spPr>
+        <p:style>
+          <a:lnRef idx="2">
+            <a:schemeClr val="accent3"/>
+          </a:lnRef>
+          <a:fillRef idx="1">
+            <a:schemeClr val="lt1"/>
+          </a:fillRef>
+          <a:effectRef idx="0">
+            <a:schemeClr val="accent3"/>
+          </a:effectRef>
+          <a:fontRef idx="minor">
+            <a:schemeClr val="dk1"/>
+          </a:fontRef>
+        </p:style>
+        <p:txBody>
+          <a:bodyPr wrap="none" rtlCol="0" anchor="ctr"/>
+          <a:lstStyle/>
+          <a:p>
+            <a:pPr algn="ctr"/>
+            <a:r>
+              <a:rPr lang="pt-PT" sz="1200" dirty="0" smtClean="0"/>
+              <a:t>titulo</a:t>
+            </a:r>
+            <a:endParaRPr lang="en-US" sz="1200" dirty="0"/>
+          </a:p>
+        </p:txBody>
+      </p:sp>
+      <p:cxnSp>
+        <p:nvCxnSpPr>
+          <p:cNvPr id="81" name="Straight Connector 80"/>
+          <p:cNvCxnSpPr>
+            <a:endCxn id="73" idx="3"/>
+          </p:cNvCxnSpPr>
+          <p:nvPr/>
+        </p:nvCxnSpPr>
+        <p:spPr>
+          <a:xfrm flipV="1">
+            <a:off x="5238752" y="1886789"/>
+            <a:ext cx="545503" cy="399203"/>
+          </a:xfrm>
+          <a:prstGeom prst="line">
+            <a:avLst/>
+          </a:prstGeom>
+          <a:ln>
+            <a:solidFill>
+              <a:schemeClr val="bg1">
+                <a:lumMod val="65000"/>
+              </a:schemeClr>
+            </a:solidFill>
+          </a:ln>
+        </p:spPr>
+        <p:style>
+          <a:lnRef idx="1">
+            <a:schemeClr val="accent1"/>
+          </a:lnRef>
+          <a:fillRef idx="0">
+            <a:schemeClr val="accent1"/>
+          </a:fillRef>
+          <a:effectRef idx="0">
+            <a:schemeClr val="accent1"/>
+          </a:effectRef>
+          <a:fontRef idx="minor">
+            <a:schemeClr val="tx1"/>
+          </a:fontRef>
+        </p:style>
+      </p:cxnSp>
+      <p:sp>
+        <p:nvSpPr>
+          <p:cNvPr id="88" name="Oval 87"/>
+          <p:cNvSpPr/>
+          <p:nvPr/>
+        </p:nvSpPr>
+        <p:spPr>
+          <a:xfrm>
+            <a:off x="1595414" y="4286256"/>
+            <a:ext cx="1285884" cy="367395"/>
+          </a:xfrm>
+          <a:prstGeom prst="ellipse">
+            <a:avLst/>
+          </a:prstGeom>
+          <a:ln>
+            <a:solidFill>
+              <a:srgbClr val="FFC000"/>
+            </a:solidFill>
+          </a:ln>
+        </p:spPr>
+        <p:style>
+          <a:lnRef idx="2">
+            <a:schemeClr val="accent3"/>
+          </a:lnRef>
+          <a:fillRef idx="1">
+            <a:schemeClr val="lt1"/>
+          </a:fillRef>
+          <a:effectRef idx="0">
+            <a:schemeClr val="accent3"/>
+          </a:effectRef>
+          <a:fontRef idx="minor">
+            <a:schemeClr val="dk1"/>
+          </a:fontRef>
+        </p:style>
+        <p:txBody>
+          <a:bodyPr wrap="none" rtlCol="0" anchor="ctr"/>
+          <a:lstStyle/>
+          <a:p>
+            <a:pPr algn="ctr"/>
+            <a:r>
+              <a:rPr lang="pt-PT" sz="1200" dirty="0" smtClean="0"/>
+              <a:t>dtEdicao</a:t>
+            </a:r>
+            <a:endParaRPr lang="en-US" sz="1200" dirty="0"/>
+          </a:p>
+        </p:txBody>
+      </p:sp>
+      <p:cxnSp>
+        <p:nvCxnSpPr>
+          <p:cNvPr id="93" name="Straight Connector 92"/>
+          <p:cNvCxnSpPr>
+            <a:stCxn id="35" idx="1"/>
+            <a:endCxn id="88" idx="0"/>
+          </p:cNvCxnSpPr>
+          <p:nvPr/>
+        </p:nvCxnSpPr>
+        <p:spPr>
+          <a:xfrm rot="10800000" flipV="1">
+            <a:off x="2238356" y="3890134"/>
+            <a:ext cx="477842" cy="396121"/>
+          </a:xfrm>
+          <a:prstGeom prst="line">
+            <a:avLst/>
+          </a:prstGeom>
+          <a:ln>
+            <a:solidFill>
+              <a:schemeClr val="bg1">
+                <a:lumMod val="65000"/>
+              </a:schemeClr>
+            </a:solidFill>
+          </a:ln>
+        </p:spPr>
+        <p:style>
+          <a:lnRef idx="1">
+            <a:schemeClr val="accent1"/>
+          </a:lnRef>
+          <a:fillRef idx="0">
+            <a:schemeClr val="accent1"/>
+          </a:fillRef>
+          <a:effectRef idx="0">
+            <a:schemeClr val="accent1"/>
+          </a:effectRef>
+          <a:fontRef idx="minor">
+            <a:schemeClr val="tx1"/>
+          </a:fontRef>
+        </p:style>
+      </p:cxnSp>
+      <p:cxnSp>
+        <p:nvCxnSpPr>
+          <p:cNvPr id="71" name="Elbow Connector 70"/>
+          <p:cNvCxnSpPr>
+            <a:stCxn id="5" idx="2"/>
+            <a:endCxn id="35" idx="0"/>
+          </p:cNvCxnSpPr>
+          <p:nvPr/>
+        </p:nvCxnSpPr>
+        <p:spPr>
+          <a:xfrm rot="5400000">
+            <a:off x="3633383" y="2393545"/>
+            <a:ext cx="938219" cy="1558141"/>
+          </a:xfrm>
+          <a:prstGeom prst="bentConnector3">
+            <a:avLst>
+              <a:gd name="adj1" fmla="val 50000"/>
+            </a:avLst>
+          </a:prstGeom>
+          <a:ln>
+            <a:solidFill>
+              <a:schemeClr val="bg1">
+                <a:lumMod val="65000"/>
+              </a:schemeClr>
+            </a:solidFill>
+          </a:ln>
+        </p:spPr>
+        <p:style>
+          <a:lnRef idx="1">
+            <a:schemeClr val="accent1"/>
+          </a:lnRef>
+          <a:fillRef idx="0">
+            <a:schemeClr val="accent1"/>
+          </a:fillRef>
+          <a:effectRef idx="0">
+            <a:schemeClr val="accent1"/>
+          </a:effectRef>
+          <a:fontRef idx="minor">
+            <a:schemeClr val="tx1"/>
+          </a:fontRef>
+        </p:style>
+      </p:cxnSp>
+      <p:sp>
+        <p:nvSpPr>
+          <p:cNvPr id="100" name="Flowchart: Process 99"/>
+          <p:cNvSpPr/>
+          <p:nvPr/>
+        </p:nvSpPr>
+        <p:spPr>
+          <a:xfrm>
+            <a:off x="6810388" y="2206687"/>
+            <a:ext cx="1214446" cy="496819"/>
+          </a:xfrm>
+          <a:prstGeom prst="flowChartProcess">
+            <a:avLst/>
+          </a:prstGeom>
+        </p:spPr>
+        <p:style>
+          <a:lnRef idx="2">
+            <a:schemeClr val="accent2"/>
+          </a:lnRef>
+          <a:fillRef idx="1">
+            <a:schemeClr val="lt1"/>
+          </a:fillRef>
+          <a:effectRef idx="0">
+            <a:schemeClr val="accent2"/>
+          </a:effectRef>
+          <a:fontRef idx="minor">
+            <a:schemeClr val="dk1"/>
+          </a:fontRef>
+        </p:style>
+        <p:txBody>
+          <a:bodyPr wrap="none" rtlCol="0" anchor="ctr"/>
+          <a:lstStyle/>
+          <a:p>
+            <a:pPr algn="ctr"/>
+            <a:r>
+              <a:rPr lang="pt-PT" dirty="0" smtClean="0"/>
+              <a:t>Editor</a:t>
+            </a:r>
+            <a:endParaRPr lang="en-US" dirty="0"/>
+          </a:p>
+        </p:txBody>
+      </p:sp>
+      <p:cxnSp>
+        <p:nvCxnSpPr>
+          <p:cNvPr id="108" name="Straight Connector 107"/>
+          <p:cNvCxnSpPr>
+            <a:stCxn id="114" idx="0"/>
+            <a:endCxn id="100" idx="2"/>
+          </p:cNvCxnSpPr>
+          <p:nvPr/>
+        </p:nvCxnSpPr>
+        <p:spPr>
+          <a:xfrm rot="16200000" flipV="1">
+            <a:off x="7234650" y="2886467"/>
+            <a:ext cx="473080" cy="107157"/>
+          </a:xfrm>
+          <a:prstGeom prst="line">
+            <a:avLst/>
+          </a:prstGeom>
+          <a:ln>
+            <a:solidFill>
+              <a:schemeClr val="bg1">
+                <a:lumMod val="65000"/>
+              </a:schemeClr>
+            </a:solidFill>
+          </a:ln>
+        </p:spPr>
+        <p:style>
+          <a:lnRef idx="1">
+            <a:schemeClr val="accent1"/>
+          </a:lnRef>
+          <a:fillRef idx="0">
+            <a:schemeClr val="accent1"/>
+          </a:fillRef>
+          <a:effectRef idx="0">
+            <a:schemeClr val="accent1"/>
+          </a:effectRef>
+          <a:fontRef idx="minor">
+            <a:schemeClr val="tx1"/>
+          </a:fontRef>
+        </p:style>
+      </p:cxnSp>
+      <p:sp>
+        <p:nvSpPr>
+          <p:cNvPr id="114" name="Oval 113"/>
+          <p:cNvSpPr/>
+          <p:nvPr/>
+        </p:nvSpPr>
+        <p:spPr>
+          <a:xfrm>
+            <a:off x="6881826" y="3176586"/>
+            <a:ext cx="1285884" cy="367395"/>
+          </a:xfrm>
+          <a:prstGeom prst="ellipse">
+            <a:avLst/>
+          </a:prstGeom>
+          <a:ln>
+            <a:solidFill>
+              <a:srgbClr val="FFC000"/>
+            </a:solidFill>
+          </a:ln>
+        </p:spPr>
+        <p:style>
+          <a:lnRef idx="2">
+            <a:schemeClr val="accent3"/>
+          </a:lnRef>
+          <a:fillRef idx="1">
+            <a:schemeClr val="lt1"/>
+          </a:fillRef>
+          <a:effectRef idx="0">
+            <a:schemeClr val="accent3"/>
+          </a:effectRef>
+          <a:fontRef idx="minor">
+            <a:schemeClr val="dk1"/>
+          </a:fontRef>
+        </p:style>
+        <p:txBody>
+          <a:bodyPr wrap="none" rtlCol="0" anchor="ctr"/>
+          <a:lstStyle/>
+          <a:p>
+            <a:pPr algn="ctr"/>
+            <a:r>
+              <a:rPr lang="pt-PT" sz="1200" dirty="0" smtClean="0"/>
+              <a:t>nome</a:t>
+            </a:r>
+            <a:endParaRPr lang="en-US" sz="1200" dirty="0"/>
+          </a:p>
+        </p:txBody>
+      </p:sp>
+      <p:sp>
+        <p:nvSpPr>
+          <p:cNvPr id="118" name="Oval 117"/>
+          <p:cNvSpPr/>
+          <p:nvPr/>
+        </p:nvSpPr>
+        <p:spPr>
+          <a:xfrm>
+            <a:off x="7667644" y="2786058"/>
+            <a:ext cx="1285884" cy="367395"/>
+          </a:xfrm>
+          <a:prstGeom prst="ellipse">
+            <a:avLst/>
+          </a:prstGeom>
+          <a:ln>
+            <a:solidFill>
+              <a:srgbClr val="FFC000"/>
+            </a:solidFill>
+          </a:ln>
+        </p:spPr>
+        <p:style>
+          <a:lnRef idx="2">
+            <a:schemeClr val="accent3"/>
+          </a:lnRef>
+          <a:fillRef idx="1">
+            <a:schemeClr val="lt1"/>
+          </a:fillRef>
+          <a:effectRef idx="0">
+            <a:schemeClr val="accent3"/>
+          </a:effectRef>
+          <a:fontRef idx="minor">
+            <a:schemeClr val="dk1"/>
+          </a:fontRef>
+        </p:style>
+        <p:txBody>
+          <a:bodyPr wrap="none" rtlCol="0" anchor="ctr"/>
+          <a:lstStyle/>
+          <a:p>
+            <a:pPr algn="ctr"/>
+            <a:r>
+              <a:rPr lang="pt-PT" sz="1200" dirty="0" smtClean="0"/>
+              <a:t>pais</a:t>
+            </a:r>
+            <a:endParaRPr lang="en-US" sz="1200" dirty="0"/>
+          </a:p>
+        </p:txBody>
+      </p:sp>
+      <p:cxnSp>
+        <p:nvCxnSpPr>
+          <p:cNvPr id="122" name="Straight Connector 121"/>
+          <p:cNvCxnSpPr>
+            <a:stCxn id="118" idx="1"/>
+            <a:endCxn id="100" idx="2"/>
+          </p:cNvCxnSpPr>
+          <p:nvPr/>
+        </p:nvCxnSpPr>
+        <p:spPr>
+          <a:xfrm rot="16200000" flipV="1">
+            <a:off x="7568606" y="2552511"/>
+            <a:ext cx="136356" cy="438346"/>
+          </a:xfrm>
+          <a:prstGeom prst="line">
+            <a:avLst/>
+          </a:prstGeom>
+          <a:ln>
+            <a:solidFill>
+              <a:schemeClr val="bg1">
+                <a:lumMod val="65000"/>
+              </a:schemeClr>
+            </a:solidFill>
+          </a:ln>
+        </p:spPr>
+        <p:style>
+          <a:lnRef idx="1">
+            <a:schemeClr val="accent1"/>
+          </a:lnRef>
+          <a:fillRef idx="0">
+            <a:schemeClr val="accent1"/>
+          </a:fillRef>
+          <a:effectRef idx="0">
+            <a:schemeClr val="accent1"/>
+          </a:effectRef>
+          <a:fontRef idx="minor">
+            <a:schemeClr val="tx1"/>
+          </a:fontRef>
+        </p:style>
+      </p:cxnSp>
+      <p:cxnSp>
+        <p:nvCxnSpPr>
+          <p:cNvPr id="132" name="Straight Connector 131"/>
+          <p:cNvCxnSpPr>
+            <a:stCxn id="134" idx="7"/>
+            <a:endCxn id="130" idx="2"/>
+          </p:cNvCxnSpPr>
+          <p:nvPr/>
+        </p:nvCxnSpPr>
+        <p:spPr>
+          <a:xfrm rot="5400000" flipH="1" flipV="1">
+            <a:off x="1925605" y="2542192"/>
+            <a:ext cx="136356" cy="458984"/>
+          </a:xfrm>
+          <a:prstGeom prst="line">
+            <a:avLst/>
+          </a:prstGeom>
+          <a:ln>
+            <a:solidFill>
+              <a:schemeClr val="bg1">
+                <a:lumMod val="65000"/>
+              </a:schemeClr>
+            </a:solidFill>
+          </a:ln>
+        </p:spPr>
+        <p:style>
+          <a:lnRef idx="1">
+            <a:schemeClr val="accent1"/>
+          </a:lnRef>
+          <a:fillRef idx="0">
+            <a:schemeClr val="accent1"/>
+          </a:fillRef>
+          <a:effectRef idx="0">
+            <a:schemeClr val="accent1"/>
+          </a:effectRef>
+          <a:fontRef idx="minor">
+            <a:schemeClr val="tx1"/>
+          </a:fontRef>
+        </p:style>
+      </p:cxnSp>
+      <p:sp>
+        <p:nvSpPr>
+          <p:cNvPr id="134" name="Oval 133"/>
+          <p:cNvSpPr/>
+          <p:nvPr/>
+        </p:nvSpPr>
+        <p:spPr>
+          <a:xfrm>
+            <a:off x="666720" y="2786058"/>
+            <a:ext cx="1285884" cy="367395"/>
+          </a:xfrm>
+          <a:prstGeom prst="ellipse">
+            <a:avLst/>
+          </a:prstGeom>
+          <a:ln>
+            <a:solidFill>
+              <a:srgbClr val="FFC000"/>
+            </a:solidFill>
+          </a:ln>
+        </p:spPr>
+        <p:style>
+          <a:lnRef idx="2">
+            <a:schemeClr val="accent3"/>
+          </a:lnRef>
+          <a:fillRef idx="1">
+            <a:schemeClr val="lt1"/>
+          </a:fillRef>
+          <a:effectRef idx="0">
+            <a:schemeClr val="accent3"/>
+          </a:effectRef>
+          <a:fontRef idx="minor">
+            <a:schemeClr val="dk1"/>
+          </a:fontRef>
+        </p:style>
+        <p:txBody>
+          <a:bodyPr wrap="none" rtlCol="0" anchor="ctr"/>
+          <a:lstStyle/>
+          <a:p>
+            <a:pPr algn="ctr"/>
+            <a:r>
+              <a:rPr lang="pt-PT" sz="1200" dirty="0" smtClean="0"/>
+              <a:t>nome</a:t>
+            </a:r>
+            <a:endParaRPr lang="en-US" sz="1200" dirty="0"/>
+          </a:p>
+        </p:txBody>
+      </p:sp>
+      <p:sp>
+        <p:nvSpPr>
+          <p:cNvPr id="135" name="Oval 134"/>
+          <p:cNvSpPr/>
+          <p:nvPr/>
+        </p:nvSpPr>
+        <p:spPr>
+          <a:xfrm>
+            <a:off x="1381100" y="3176586"/>
+            <a:ext cx="1285884" cy="367395"/>
+          </a:xfrm>
+          <a:prstGeom prst="ellipse">
+            <a:avLst/>
+          </a:prstGeom>
+          <a:ln>
+            <a:solidFill>
+              <a:srgbClr val="FFC000"/>
+            </a:solidFill>
+          </a:ln>
+        </p:spPr>
+        <p:style>
+          <a:lnRef idx="2">
+            <a:schemeClr val="accent3"/>
+          </a:lnRef>
+          <a:fillRef idx="1">
+            <a:schemeClr val="lt1"/>
+          </a:fillRef>
+          <a:effectRef idx="0">
+            <a:schemeClr val="accent3"/>
+          </a:effectRef>
+          <a:fontRef idx="minor">
+            <a:schemeClr val="dk1"/>
+          </a:fontRef>
+        </p:style>
+        <p:txBody>
+          <a:bodyPr wrap="none" rtlCol="0" anchor="ctr"/>
+          <a:lstStyle/>
+          <a:p>
+            <a:pPr algn="ctr"/>
+            <a:r>
+              <a:rPr lang="pt-PT" sz="1200" dirty="0" smtClean="0"/>
+              <a:t>nacionalidade</a:t>
+            </a:r>
+            <a:endParaRPr lang="en-US" sz="1200" dirty="0"/>
+          </a:p>
+        </p:txBody>
+      </p:sp>
+      <p:cxnSp>
+        <p:nvCxnSpPr>
+          <p:cNvPr id="136" name="Straight Connector 135"/>
+          <p:cNvCxnSpPr>
+            <a:stCxn id="135" idx="0"/>
+            <a:endCxn id="130" idx="2"/>
+          </p:cNvCxnSpPr>
+          <p:nvPr/>
+        </p:nvCxnSpPr>
+        <p:spPr>
+          <a:xfrm rot="5400000" flipH="1" flipV="1">
+            <a:off x="1887118" y="2840430"/>
+            <a:ext cx="473080" cy="199233"/>
+          </a:xfrm>
+          <a:prstGeom prst="line">
+            <a:avLst/>
+          </a:prstGeom>
+          <a:ln>
+            <a:solidFill>
+              <a:schemeClr val="bg1">
+                <a:lumMod val="65000"/>
+              </a:schemeClr>
+            </a:solidFill>
+          </a:ln>
+        </p:spPr>
+        <p:style>
+          <a:lnRef idx="1">
+            <a:schemeClr val="accent1"/>
+          </a:lnRef>
+          <a:fillRef idx="0">
+            <a:schemeClr val="accent1"/>
+          </a:fillRef>
+          <a:effectRef idx="0">
+            <a:schemeClr val="accent1"/>
+          </a:effectRef>
+          <a:fontRef idx="minor">
+            <a:schemeClr val="tx1"/>
+          </a:fontRef>
+        </p:style>
+      </p:cxnSp>
+      <p:sp>
+        <p:nvSpPr>
+          <p:cNvPr id="146" name="Oval 145"/>
+          <p:cNvSpPr/>
+          <p:nvPr/>
+        </p:nvSpPr>
+        <p:spPr>
+          <a:xfrm>
+            <a:off x="3444864" y="5643578"/>
+            <a:ext cx="1285884" cy="367395"/>
+          </a:xfrm>
+          <a:prstGeom prst="ellipse">
+            <a:avLst/>
+          </a:prstGeom>
+          <a:ln>
+            <a:solidFill>
+              <a:srgbClr val="FFC000"/>
+            </a:solidFill>
+          </a:ln>
+        </p:spPr>
+        <p:style>
+          <a:lnRef idx="2">
+            <a:schemeClr val="accent3"/>
+          </a:lnRef>
+          <a:fillRef idx="1">
+            <a:schemeClr val="lt1"/>
+          </a:fillRef>
+          <a:effectRef idx="0">
+            <a:schemeClr val="accent3"/>
+          </a:effectRef>
+          <a:fontRef idx="minor">
+            <a:schemeClr val="dk1"/>
+          </a:fontRef>
+        </p:style>
+        <p:txBody>
+          <a:bodyPr wrap="none" rtlCol="0" anchor="ctr"/>
+          <a:lstStyle/>
+          <a:p>
+            <a:pPr algn="ctr"/>
+            <a:r>
+              <a:rPr lang="pt-PT" sz="1200" dirty="0" smtClean="0"/>
+              <a:t>nome</a:t>
+            </a:r>
+            <a:endParaRPr lang="en-US" sz="1200" dirty="0"/>
+          </a:p>
+        </p:txBody>
+      </p:sp>
+      <p:sp>
+        <p:nvSpPr>
+          <p:cNvPr id="147" name="Oval 146"/>
+          <p:cNvSpPr/>
+          <p:nvPr/>
+        </p:nvSpPr>
+        <p:spPr>
+          <a:xfrm>
+            <a:off x="4238620" y="6062001"/>
+            <a:ext cx="1285884" cy="367395"/>
+          </a:xfrm>
+          <a:prstGeom prst="ellipse">
+            <a:avLst/>
+          </a:prstGeom>
+          <a:ln>
+            <a:solidFill>
+              <a:srgbClr val="FFC000"/>
+            </a:solidFill>
+          </a:ln>
+        </p:spPr>
+        <p:style>
+          <a:lnRef idx="2">
+            <a:schemeClr val="accent3"/>
+          </a:lnRef>
+          <a:fillRef idx="1">
+            <a:schemeClr val="lt1"/>
+          </a:fillRef>
+          <a:effectRef idx="0">
+            <a:schemeClr val="accent3"/>
+          </a:effectRef>
+          <a:fontRef idx="minor">
+            <a:schemeClr val="dk1"/>
+          </a:fontRef>
+        </p:style>
+        <p:txBody>
+          <a:bodyPr wrap="none" rtlCol="0" anchor="ctr"/>
+          <a:lstStyle/>
+          <a:p>
+            <a:pPr algn="ctr"/>
+            <a:r>
+              <a:rPr lang="pt-PT" sz="1200" dirty="0" smtClean="0"/>
+              <a:t>duracao</a:t>
+            </a:r>
+            <a:endParaRPr lang="en-US" sz="1200" dirty="0"/>
+          </a:p>
+        </p:txBody>
+      </p:sp>
+      <p:cxnSp>
+        <p:nvCxnSpPr>
+          <p:cNvPr id="148" name="Straight Connector 147"/>
+          <p:cNvCxnSpPr>
+            <a:stCxn id="129" idx="2"/>
+            <a:endCxn id="149" idx="1"/>
+          </p:cNvCxnSpPr>
+          <p:nvPr/>
+        </p:nvCxnSpPr>
+        <p:spPr>
+          <a:xfrm rot="16200000" flipH="1">
+            <a:off x="4985520" y="5413908"/>
+            <a:ext cx="194710" cy="402627"/>
+          </a:xfrm>
+          <a:prstGeom prst="line">
+            <a:avLst/>
+          </a:prstGeom>
+          <a:ln>
+            <a:solidFill>
+              <a:schemeClr val="bg1">
+                <a:lumMod val="65000"/>
+              </a:schemeClr>
+            </a:solidFill>
+          </a:ln>
+        </p:spPr>
+        <p:style>
+          <a:lnRef idx="1">
+            <a:schemeClr val="accent1"/>
+          </a:lnRef>
+          <a:fillRef idx="0">
+            <a:schemeClr val="accent1"/>
+          </a:fillRef>
+          <a:effectRef idx="0">
+            <a:schemeClr val="accent1"/>
+          </a:effectRef>
+          <a:fontRef idx="minor">
+            <a:schemeClr val="tx1"/>
+          </a:fontRef>
+        </p:style>
+      </p:cxnSp>
+      <p:sp>
+        <p:nvSpPr>
+          <p:cNvPr id="149" name="Oval 148"/>
+          <p:cNvSpPr/>
+          <p:nvPr/>
+        </p:nvSpPr>
+        <p:spPr>
+          <a:xfrm>
+            <a:off x="5095876" y="5658773"/>
+            <a:ext cx="1285884" cy="367395"/>
+          </a:xfrm>
+          <a:prstGeom prst="ellipse">
+            <a:avLst/>
+          </a:prstGeom>
+          <a:ln>
+            <a:solidFill>
+              <a:srgbClr val="FFC000"/>
+            </a:solidFill>
+          </a:ln>
+        </p:spPr>
+        <p:style>
+          <a:lnRef idx="2">
+            <a:schemeClr val="accent3"/>
+          </a:lnRef>
+          <a:fillRef idx="1">
+            <a:schemeClr val="lt1"/>
+          </a:fillRef>
+          <a:effectRef idx="0">
+            <a:schemeClr val="accent3"/>
+          </a:effectRef>
+          <a:fontRef idx="minor">
+            <a:schemeClr val="dk1"/>
+          </a:fontRef>
+        </p:style>
+        <p:txBody>
+          <a:bodyPr wrap="none" rtlCol="0" anchor="ctr"/>
+          <a:lstStyle/>
+          <a:p>
+            <a:pPr algn="ctr"/>
+            <a:r>
+              <a:rPr lang="pt-PT" sz="1200" dirty="0" smtClean="0"/>
+              <a:t>genero</a:t>
+            </a:r>
+            <a:endParaRPr lang="en-US" sz="1200" dirty="0"/>
+          </a:p>
+        </p:txBody>
+      </p:sp>
+      <p:cxnSp>
+        <p:nvCxnSpPr>
+          <p:cNvPr id="151" name="Straight Connector 150"/>
+          <p:cNvCxnSpPr>
+            <a:stCxn id="129" idx="2"/>
+            <a:endCxn id="147" idx="0"/>
+          </p:cNvCxnSpPr>
+          <p:nvPr/>
+        </p:nvCxnSpPr>
+        <p:spPr>
+          <a:xfrm rot="5400000">
+            <a:off x="4609495" y="5789934"/>
+            <a:ext cx="544134" cy="1588"/>
+          </a:xfrm>
+          <a:prstGeom prst="line">
+            <a:avLst/>
+          </a:prstGeom>
+          <a:ln>
+            <a:solidFill>
+              <a:schemeClr val="bg1">
+                <a:lumMod val="65000"/>
+              </a:schemeClr>
+            </a:solidFill>
+          </a:ln>
+        </p:spPr>
+        <p:style>
+          <a:lnRef idx="1">
+            <a:schemeClr val="accent1"/>
+          </a:lnRef>
+          <a:fillRef idx="0">
+            <a:schemeClr val="accent1"/>
+          </a:fillRef>
+          <a:effectRef idx="0">
+            <a:schemeClr val="accent1"/>
+          </a:effectRef>
+          <a:fontRef idx="minor">
+            <a:schemeClr val="tx1"/>
+          </a:fontRef>
+        </p:style>
+      </p:cxnSp>
+      <p:cxnSp>
+        <p:nvCxnSpPr>
+          <p:cNvPr id="155" name="Straight Connector 154"/>
+          <p:cNvCxnSpPr>
+            <a:stCxn id="129" idx="2"/>
+            <a:endCxn id="146" idx="7"/>
+          </p:cNvCxnSpPr>
+          <p:nvPr/>
+        </p:nvCxnSpPr>
+        <p:spPr>
+          <a:xfrm rot="5400000">
+            <a:off x="4622242" y="5438061"/>
+            <a:ext cx="179515" cy="339127"/>
+          </a:xfrm>
+          <a:prstGeom prst="line">
+            <a:avLst/>
+          </a:prstGeom>
+          <a:ln>
+            <a:solidFill>
+              <a:schemeClr val="bg1">
+                <a:lumMod val="65000"/>
+              </a:schemeClr>
+            </a:solidFill>
+          </a:ln>
+        </p:spPr>
+        <p:style>
+          <a:lnRef idx="1">
+            <a:schemeClr val="accent1"/>
+          </a:lnRef>
+          <a:fillRef idx="0">
+            <a:schemeClr val="accent1"/>
+          </a:fillRef>
+          <a:effectRef idx="0">
+            <a:schemeClr val="accent1"/>
+          </a:effectRef>
+          <a:fontRef idx="minor">
+            <a:schemeClr val="tx1"/>
+          </a:fontRef>
+        </p:style>
+      </p:cxnSp>
+      <p:sp>
+        <p:nvSpPr>
+          <p:cNvPr id="167" name="Flowchart: Decision 166"/>
+          <p:cNvSpPr/>
+          <p:nvPr/>
+        </p:nvSpPr>
+        <p:spPr>
+          <a:xfrm>
+            <a:off x="3167050" y="2240782"/>
+            <a:ext cx="639743" cy="428628"/>
+          </a:xfrm>
+          <a:prstGeom prst="flowChartDecision">
+            <a:avLst/>
+          </a:prstGeom>
+        </p:spPr>
+        <p:style>
+          <a:lnRef idx="2">
+            <a:schemeClr val="accent5"/>
+          </a:lnRef>
+          <a:fillRef idx="1">
+            <a:schemeClr val="lt1"/>
+          </a:fillRef>
+          <a:effectRef idx="0">
+            <a:schemeClr val="accent5"/>
+          </a:effectRef>
+          <a:fontRef idx="minor">
+            <a:schemeClr val="dk1"/>
+          </a:fontRef>
+        </p:style>
+        <p:txBody>
+          <a:bodyPr rtlCol="0" anchor="ctr"/>
+          <a:lstStyle/>
+          <a:p>
+            <a:pPr algn="ctr"/>
+            <a:endParaRPr lang="en-US"/>
+          </a:p>
+        </p:txBody>
+      </p:sp>
+      <p:sp>
+        <p:nvSpPr>
+          <p:cNvPr id="168" name="Flowchart: Decision 167"/>
+          <p:cNvSpPr/>
+          <p:nvPr/>
+        </p:nvSpPr>
+        <p:spPr>
+          <a:xfrm>
+            <a:off x="5973784" y="4572008"/>
+            <a:ext cx="639743" cy="428628"/>
+          </a:xfrm>
+          <a:prstGeom prst="flowChartDecision">
+            <a:avLst/>
+          </a:prstGeom>
+        </p:spPr>
+        <p:style>
+          <a:lnRef idx="2">
+            <a:schemeClr val="accent5"/>
+          </a:lnRef>
+          <a:fillRef idx="1">
+            <a:schemeClr val="lt1"/>
+          </a:fillRef>
+          <a:effectRef idx="0">
+            <a:schemeClr val="accent5"/>
+          </a:effectRef>
+          <a:fontRef idx="minor">
+            <a:schemeClr val="dk1"/>
+          </a:fontRef>
+        </p:style>
+        <p:txBody>
+          <a:bodyPr rtlCol="0" anchor="ctr"/>
+          <a:lstStyle/>
+          <a:p>
+            <a:pPr algn="ctr"/>
+            <a:endParaRPr lang="en-US"/>
+          </a:p>
+        </p:txBody>
+      </p:sp>
+      <p:sp>
+        <p:nvSpPr>
+          <p:cNvPr id="169" name="Flowchart: Decision 168"/>
+          <p:cNvSpPr/>
+          <p:nvPr/>
+        </p:nvSpPr>
+        <p:spPr>
+          <a:xfrm>
+            <a:off x="3011474" y="4572008"/>
+            <a:ext cx="639743" cy="428628"/>
+          </a:xfrm>
+          <a:prstGeom prst="flowChartDecision">
+            <a:avLst/>
+          </a:prstGeom>
+        </p:spPr>
+        <p:style>
+          <a:lnRef idx="2">
+            <a:schemeClr val="accent5"/>
+          </a:lnRef>
+          <a:fillRef idx="1">
+            <a:schemeClr val="lt1"/>
+          </a:fillRef>
+          <a:effectRef idx="0">
+            <a:schemeClr val="accent5"/>
+          </a:effectRef>
+          <a:fontRef idx="minor">
+            <a:schemeClr val="dk1"/>
+          </a:fontRef>
+        </p:style>
+        <p:txBody>
+          <a:bodyPr rtlCol="0" anchor="ctr"/>
+          <a:lstStyle/>
+          <a:p>
+            <a:pPr algn="ctr"/>
+            <a:endParaRPr lang="en-US"/>
+          </a:p>
+        </p:txBody>
+      </p:sp>
+      <p:cxnSp>
+        <p:nvCxnSpPr>
+          <p:cNvPr id="171" name="Straight Connector 170"/>
+          <p:cNvCxnSpPr>
+            <a:stCxn id="35" idx="2"/>
+            <a:endCxn id="169" idx="0"/>
+          </p:cNvCxnSpPr>
+          <p:nvPr/>
+        </p:nvCxnSpPr>
+        <p:spPr>
+          <a:xfrm rot="16200000" flipH="1">
+            <a:off x="3110651" y="4351313"/>
+            <a:ext cx="433464" cy="7925"/>
+          </a:xfrm>
+          <a:prstGeom prst="line">
+            <a:avLst/>
+          </a:prstGeom>
+          <a:ln>
+            <a:solidFill>
+              <a:schemeClr val="bg1">
+                <a:lumMod val="65000"/>
+              </a:schemeClr>
+            </a:solidFill>
+          </a:ln>
+        </p:spPr>
+        <p:style>
+          <a:lnRef idx="1">
+            <a:schemeClr val="accent1"/>
+          </a:lnRef>
+          <a:fillRef idx="0">
+            <a:schemeClr val="accent1"/>
+          </a:fillRef>
+          <a:effectRef idx="0">
+            <a:schemeClr val="accent1"/>
+          </a:effectRef>
+          <a:fontRef idx="minor">
+            <a:schemeClr val="tx1"/>
+          </a:fontRef>
+        </p:style>
+      </p:cxnSp>
+      <p:cxnSp>
+        <p:nvCxnSpPr>
+          <p:cNvPr id="177" name="Straight Connector 176"/>
+          <p:cNvCxnSpPr>
+            <a:stCxn id="18" idx="2"/>
+            <a:endCxn id="168" idx="0"/>
+          </p:cNvCxnSpPr>
+          <p:nvPr/>
+        </p:nvCxnSpPr>
+        <p:spPr>
+          <a:xfrm rot="16200000" flipH="1">
+            <a:off x="6076923" y="4355275"/>
+            <a:ext cx="433464" cy="1"/>
+          </a:xfrm>
+          <a:prstGeom prst="line">
+            <a:avLst/>
+          </a:prstGeom>
+          <a:ln>
+            <a:solidFill>
+              <a:schemeClr val="bg1">
+                <a:lumMod val="65000"/>
+              </a:schemeClr>
+            </a:solidFill>
+          </a:ln>
+        </p:spPr>
+        <p:style>
+          <a:lnRef idx="1">
+            <a:schemeClr val="accent1"/>
+          </a:lnRef>
+          <a:fillRef idx="0">
+            <a:schemeClr val="accent1"/>
+          </a:fillRef>
+          <a:effectRef idx="0">
+            <a:schemeClr val="accent1"/>
+          </a:effectRef>
+          <a:fontRef idx="minor">
+            <a:schemeClr val="tx1"/>
+          </a:fontRef>
+        </p:style>
+      </p:cxnSp>
+      <p:cxnSp>
+        <p:nvCxnSpPr>
+          <p:cNvPr id="186" name="Straight Connector 185"/>
+          <p:cNvCxnSpPr>
+            <a:stCxn id="167" idx="1"/>
+            <a:endCxn id="130" idx="3"/>
+          </p:cNvCxnSpPr>
+          <p:nvPr/>
+        </p:nvCxnSpPr>
+        <p:spPr>
+          <a:xfrm rot="10800000" flipV="1">
+            <a:off x="2830498" y="2455095"/>
+            <a:ext cx="336552" cy="1"/>
+          </a:xfrm>
+          <a:prstGeom prst="line">
+            <a:avLst/>
+          </a:prstGeom>
+          <a:ln>
+            <a:solidFill>
+              <a:schemeClr val="bg1">
+                <a:lumMod val="65000"/>
+              </a:schemeClr>
+            </a:solidFill>
+          </a:ln>
+        </p:spPr>
+        <p:style>
+          <a:lnRef idx="1">
+            <a:schemeClr val="accent1"/>
+          </a:lnRef>
+          <a:fillRef idx="0">
+            <a:schemeClr val="accent1"/>
+          </a:fillRef>
+          <a:effectRef idx="0">
+            <a:schemeClr val="accent1"/>
+          </a:effectRef>
+          <a:fontRef idx="minor">
+            <a:schemeClr val="tx1"/>
+          </a:fontRef>
+        </p:style>
+      </p:cxnSp>
+      <p:cxnSp>
+        <p:nvCxnSpPr>
+          <p:cNvPr id="196" name="Straight Connector 195"/>
+          <p:cNvCxnSpPr>
+            <a:stCxn id="167" idx="3"/>
+            <a:endCxn id="5" idx="1"/>
+          </p:cNvCxnSpPr>
+          <p:nvPr/>
+        </p:nvCxnSpPr>
+        <p:spPr>
+          <a:xfrm>
+            <a:off x="3806793" y="2455096"/>
+            <a:ext cx="467546" cy="1"/>
+          </a:xfrm>
+          <a:prstGeom prst="line">
+            <a:avLst/>
+          </a:prstGeom>
+          <a:ln>
+            <a:solidFill>
+              <a:schemeClr val="bg1">
+                <a:lumMod val="65000"/>
+              </a:schemeClr>
+            </a:solidFill>
+          </a:ln>
+        </p:spPr>
+        <p:style>
+          <a:lnRef idx="1">
+            <a:schemeClr val="accent1"/>
+          </a:lnRef>
+          <a:fillRef idx="0">
+            <a:schemeClr val="accent1"/>
+          </a:fillRef>
+          <a:effectRef idx="0">
+            <a:schemeClr val="accent1"/>
+          </a:effectRef>
+          <a:fontRef idx="minor">
+            <a:schemeClr val="tx1"/>
+          </a:fontRef>
+        </p:style>
+      </p:cxnSp>
+      <p:cxnSp>
+        <p:nvCxnSpPr>
+          <p:cNvPr id="204" name="Straight Connector 203"/>
+          <p:cNvCxnSpPr/>
+          <p:nvPr/>
+        </p:nvCxnSpPr>
+        <p:spPr>
+          <a:xfrm rot="10800000">
+            <a:off x="3199325" y="4010664"/>
+            <a:ext cx="252000" cy="1588"/>
+          </a:xfrm>
+          <a:prstGeom prst="line">
+            <a:avLst/>
+          </a:prstGeom>
+          <a:ln>
+            <a:solidFill>
+              <a:schemeClr val="bg1">
+                <a:lumMod val="50000"/>
+              </a:schemeClr>
+            </a:solidFill>
+          </a:ln>
+        </p:spPr>
+        <p:style>
+          <a:lnRef idx="1">
+            <a:schemeClr val="dk1"/>
+          </a:lnRef>
+          <a:fillRef idx="0">
+            <a:schemeClr val="dk1"/>
+          </a:fillRef>
+          <a:effectRef idx="0">
+            <a:schemeClr val="dk1"/>
+          </a:effectRef>
+          <a:fontRef idx="minor">
+            <a:schemeClr val="tx1"/>
+          </a:fontRef>
+        </p:style>
+      </p:cxnSp>
+      <p:sp>
+        <p:nvSpPr>
+          <p:cNvPr id="206" name="Flowchart: Decision 205"/>
+          <p:cNvSpPr/>
+          <p:nvPr/>
+        </p:nvSpPr>
+        <p:spPr>
+          <a:xfrm>
+            <a:off x="5834069" y="2240782"/>
+            <a:ext cx="639743" cy="428628"/>
+          </a:xfrm>
+          <a:prstGeom prst="flowChartDecision">
+            <a:avLst/>
+          </a:prstGeom>
+        </p:spPr>
+        <p:style>
+          <a:lnRef idx="2">
+            <a:schemeClr val="accent5"/>
+          </a:lnRef>
+          <a:fillRef idx="1">
+            <a:schemeClr val="lt1"/>
+          </a:fillRef>
+          <a:effectRef idx="0">
+            <a:schemeClr val="accent5"/>
+          </a:effectRef>
+          <a:fontRef idx="minor">
+            <a:schemeClr val="dk1"/>
+          </a:fontRef>
+        </p:style>
+        <p:txBody>
+          <a:bodyPr rtlCol="0" anchor="ctr"/>
+          <a:lstStyle/>
+          <a:p>
+            <a:pPr algn="ctr"/>
+            <a:endParaRPr lang="en-US"/>
+          </a:p>
+        </p:txBody>
+      </p:sp>
+      <p:cxnSp>
+        <p:nvCxnSpPr>
+          <p:cNvPr id="207" name="Straight Connector 206"/>
+          <p:cNvCxnSpPr>
+            <a:stCxn id="206" idx="3"/>
+            <a:endCxn id="100" idx="1"/>
+          </p:cNvCxnSpPr>
+          <p:nvPr/>
+        </p:nvCxnSpPr>
+        <p:spPr>
+          <a:xfrm>
+            <a:off x="6473812" y="2455096"/>
+            <a:ext cx="336576" cy="1"/>
+          </a:xfrm>
+          <a:prstGeom prst="line">
+            <a:avLst/>
+          </a:prstGeom>
+          <a:ln>
+            <a:solidFill>
+              <a:schemeClr val="bg1">
+                <a:lumMod val="65000"/>
+              </a:schemeClr>
+            </a:solidFill>
+          </a:ln>
+        </p:spPr>
+        <p:style>
+          <a:lnRef idx="1">
+            <a:schemeClr val="accent1"/>
+          </a:lnRef>
+          <a:fillRef idx="0">
+            <a:schemeClr val="accent1"/>
+          </a:fillRef>
+          <a:effectRef idx="0">
+            <a:schemeClr val="accent1"/>
+          </a:effectRef>
+          <a:fontRef idx="minor">
+            <a:schemeClr val="tx1"/>
+          </a:fontRef>
+        </p:style>
+      </p:cxnSp>
+      <p:cxnSp>
+        <p:nvCxnSpPr>
+          <p:cNvPr id="208" name="Straight Connector 207"/>
+          <p:cNvCxnSpPr>
+            <a:stCxn id="206" idx="1"/>
+            <a:endCxn id="5" idx="3"/>
+          </p:cNvCxnSpPr>
+          <p:nvPr/>
+        </p:nvCxnSpPr>
+        <p:spPr>
+          <a:xfrm rot="10800000" flipV="1">
+            <a:off x="5488785" y="2455095"/>
+            <a:ext cx="345284" cy="1"/>
+          </a:xfrm>
+          <a:prstGeom prst="line">
+            <a:avLst/>
+          </a:prstGeom>
+          <a:ln>
+            <a:solidFill>
+              <a:schemeClr val="bg1">
+                <a:lumMod val="65000"/>
+              </a:schemeClr>
+            </a:solidFill>
+          </a:ln>
+        </p:spPr>
+        <p:style>
+          <a:lnRef idx="1">
+            <a:schemeClr val="accent1"/>
+          </a:lnRef>
+          <a:fillRef idx="0">
+            <a:schemeClr val="accent1"/>
+          </a:fillRef>
+          <a:effectRef idx="0">
+            <a:schemeClr val="accent1"/>
+          </a:effectRef>
+          <a:fontRef idx="minor">
+            <a:schemeClr val="tx1"/>
+          </a:fontRef>
+        </p:style>
+      </p:cxnSp>
+      <p:sp>
+        <p:nvSpPr>
+          <p:cNvPr id="219" name="Oval 218"/>
+          <p:cNvSpPr/>
+          <p:nvPr/>
+        </p:nvSpPr>
+        <p:spPr>
+          <a:xfrm>
+            <a:off x="6244437" y="3988438"/>
+            <a:ext cx="98436" cy="98436"/>
+          </a:xfrm>
+          <a:prstGeom prst="ellipse">
+            <a:avLst/>
+          </a:prstGeom>
+          <a:ln w="9525">
+            <a:solidFill>
+              <a:schemeClr val="bg1">
+                <a:lumMod val="50000"/>
+              </a:schemeClr>
+            </a:solidFill>
+          </a:ln>
+        </p:spPr>
+        <p:style>
+          <a:lnRef idx="2">
+            <a:schemeClr val="dk1"/>
+          </a:lnRef>
+          <a:fillRef idx="1">
+            <a:schemeClr val="lt1"/>
+          </a:fillRef>
+          <a:effectRef idx="0">
+            <a:schemeClr val="dk1"/>
+          </a:effectRef>
+          <a:fontRef idx="minor">
+            <a:schemeClr val="dk1"/>
+          </a:fontRef>
+        </p:style>
+        <p:txBody>
+          <a:bodyPr rtlCol="0" anchor="ctr"/>
+          <a:lstStyle/>
+          <a:p>
+            <a:pPr algn="ctr"/>
+            <a:endParaRPr lang="en-US"/>
+          </a:p>
+        </p:txBody>
+      </p:sp>
+      <p:grpSp>
+        <p:nvGrpSpPr>
+          <p:cNvPr id="2" name="Group 238"/>
+          <p:cNvGrpSpPr/>
+          <p:nvPr/>
+        </p:nvGrpSpPr>
+        <p:grpSpPr>
+          <a:xfrm>
+            <a:off x="4109396" y="5158752"/>
+            <a:ext cx="160974" cy="221934"/>
+            <a:chOff x="4810124" y="4929199"/>
+            <a:chExt cx="260352" cy="428627"/>
+          </a:xfrm>
+        </p:grpSpPr>
+        <p:cxnSp>
+          <p:nvCxnSpPr>
+            <p:cNvPr id="240" name="Straight Connector 239"/>
+            <p:cNvCxnSpPr/>
+            <p:nvPr/>
+          </p:nvCxnSpPr>
+          <p:spPr>
+            <a:xfrm flipV="1">
+              <a:off x="4810124" y="4929199"/>
+              <a:ext cx="252572" cy="214313"/>
+            </a:xfrm>
+            <a:prstGeom prst="line">
+              <a:avLst/>
+            </a:prstGeom>
+            <a:ln>
+              <a:solidFill>
+                <a:schemeClr val="bg1">
+                  <a:lumMod val="50000"/>
+                </a:schemeClr>
+              </a:solidFill>
+            </a:ln>
+          </p:spPr>
+          <p:style>
+            <a:lnRef idx="1">
+              <a:schemeClr val="dk1"/>
+            </a:lnRef>
+            <a:fillRef idx="0">
+              <a:schemeClr val="dk1"/>
+            </a:fillRef>
+            <a:effectRef idx="0">
+              <a:schemeClr val="dk1"/>
+            </a:effectRef>
+            <a:fontRef idx="minor">
+              <a:schemeClr val="tx1"/>
+            </a:fontRef>
+          </p:style>
+        </p:cxnSp>
+        <p:cxnSp>
+          <p:nvCxnSpPr>
+            <p:cNvPr id="241" name="Straight Connector 240"/>
+            <p:cNvCxnSpPr/>
+            <p:nvPr/>
+          </p:nvCxnSpPr>
+          <p:spPr>
+            <a:xfrm>
+              <a:off x="4817904" y="5143513"/>
+              <a:ext cx="252572" cy="214313"/>
+            </a:xfrm>
+            <a:prstGeom prst="line">
+              <a:avLst/>
+            </a:prstGeom>
+            <a:ln>
+              <a:solidFill>
+                <a:schemeClr val="bg1">
+                  <a:lumMod val="50000"/>
+                </a:schemeClr>
+              </a:solidFill>
+            </a:ln>
+          </p:spPr>
+          <p:style>
+            <a:lnRef idx="1">
+              <a:schemeClr val="dk1"/>
+            </a:lnRef>
+            <a:fillRef idx="0">
+              <a:schemeClr val="dk1"/>
+            </a:fillRef>
+            <a:effectRef idx="0">
+              <a:schemeClr val="dk1"/>
+            </a:effectRef>
+            <a:fontRef idx="minor">
+              <a:schemeClr val="tx1"/>
+            </a:fontRef>
+          </p:style>
+        </p:cxnSp>
+      </p:grpSp>
+      <p:cxnSp>
+        <p:nvCxnSpPr>
+          <p:cNvPr id="242" name="Straight Connector 241"/>
+          <p:cNvCxnSpPr/>
+          <p:nvPr/>
+        </p:nvCxnSpPr>
+        <p:spPr>
+          <a:xfrm rot="16200000" flipH="1">
+            <a:off x="3984668" y="5268875"/>
+            <a:ext cx="252000" cy="1274"/>
+          </a:xfrm>
+          <a:prstGeom prst="line">
+            <a:avLst/>
+          </a:prstGeom>
+          <a:ln>
+            <a:solidFill>
+              <a:schemeClr val="bg1">
+                <a:lumMod val="50000"/>
+              </a:schemeClr>
+            </a:solidFill>
+          </a:ln>
+        </p:spPr>
+        <p:style>
+          <a:lnRef idx="1">
+            <a:schemeClr val="dk1"/>
+          </a:lnRef>
+          <a:fillRef idx="0">
+            <a:schemeClr val="dk1"/>
+          </a:fillRef>
+          <a:effectRef idx="0">
+            <a:schemeClr val="dk1"/>
+          </a:effectRef>
+          <a:fontRef idx="minor">
+            <a:schemeClr val="tx1"/>
+          </a:fontRef>
+        </p:style>
+      </p:cxnSp>
+      <p:cxnSp>
+        <p:nvCxnSpPr>
+          <p:cNvPr id="258" name="Straight Connector 257"/>
+          <p:cNvCxnSpPr/>
+          <p:nvPr/>
+        </p:nvCxnSpPr>
+        <p:spPr>
+          <a:xfrm rot="16200000" flipH="1">
+            <a:off x="6613587" y="2454459"/>
+            <a:ext cx="252000" cy="1274"/>
+          </a:xfrm>
+          <a:prstGeom prst="line">
+            <a:avLst/>
+          </a:prstGeom>
+          <a:ln>
+            <a:solidFill>
+              <a:schemeClr val="bg1">
+                <a:lumMod val="50000"/>
+              </a:schemeClr>
+            </a:solidFill>
+          </a:ln>
+        </p:spPr>
+        <p:style>
+          <a:lnRef idx="1">
+            <a:schemeClr val="dk1"/>
+          </a:lnRef>
+          <a:fillRef idx="0">
+            <a:schemeClr val="dk1"/>
+          </a:fillRef>
+          <a:effectRef idx="0">
+            <a:schemeClr val="dk1"/>
+          </a:effectRef>
+          <a:fontRef idx="minor">
+            <a:schemeClr val="tx1"/>
+          </a:fontRef>
+        </p:style>
+      </p:cxnSp>
+      <p:cxnSp>
+        <p:nvCxnSpPr>
+          <p:cNvPr id="259" name="Straight Connector 258"/>
+          <p:cNvCxnSpPr/>
+          <p:nvPr/>
+        </p:nvCxnSpPr>
+        <p:spPr>
+          <a:xfrm rot="16200000" flipH="1">
+            <a:off x="6542149" y="2454459"/>
+            <a:ext cx="252000" cy="1274"/>
+          </a:xfrm>
+          <a:prstGeom prst="line">
+            <a:avLst/>
+          </a:prstGeom>
+          <a:ln>
+            <a:solidFill>
+              <a:schemeClr val="bg1">
+                <a:lumMod val="50000"/>
+              </a:schemeClr>
+            </a:solidFill>
+          </a:ln>
+        </p:spPr>
+        <p:style>
+          <a:lnRef idx="1">
+            <a:schemeClr val="dk1"/>
+          </a:lnRef>
+          <a:fillRef idx="0">
+            <a:schemeClr val="dk1"/>
+          </a:fillRef>
+          <a:effectRef idx="0">
+            <a:schemeClr val="dk1"/>
+          </a:effectRef>
+          <a:fontRef idx="minor">
+            <a:schemeClr val="tx1"/>
+          </a:fontRef>
+        </p:style>
+      </p:cxnSp>
+      <p:grpSp>
+        <p:nvGrpSpPr>
+          <p:cNvPr id="3" name="Group 259"/>
+          <p:cNvGrpSpPr/>
+          <p:nvPr/>
+        </p:nvGrpSpPr>
+        <p:grpSpPr>
+          <a:xfrm flipH="1">
+            <a:off x="5496882" y="2344129"/>
+            <a:ext cx="160974" cy="221934"/>
+            <a:chOff x="4810124" y="4929199"/>
+            <a:chExt cx="260352" cy="428627"/>
+          </a:xfrm>
+        </p:grpSpPr>
+        <p:cxnSp>
+          <p:nvCxnSpPr>
+            <p:cNvPr id="261" name="Straight Connector 260"/>
+            <p:cNvCxnSpPr/>
+            <p:nvPr/>
+          </p:nvCxnSpPr>
+          <p:spPr>
+            <a:xfrm flipV="1">
+              <a:off x="4810124" y="4929199"/>
+              <a:ext cx="252572" cy="214313"/>
+            </a:xfrm>
+            <a:prstGeom prst="line">
+              <a:avLst/>
+            </a:prstGeom>
+            <a:ln>
+              <a:solidFill>
+                <a:schemeClr val="bg1">
+                  <a:lumMod val="50000"/>
+                </a:schemeClr>
+              </a:solidFill>
+            </a:ln>
+          </p:spPr>
+          <p:style>
+            <a:lnRef idx="1">
+              <a:schemeClr val="dk1"/>
+            </a:lnRef>
+            <a:fillRef idx="0">
+              <a:schemeClr val="dk1"/>
+            </a:fillRef>
+            <a:effectRef idx="0">
+              <a:schemeClr val="dk1"/>
+            </a:effectRef>
+            <a:fontRef idx="minor">
+              <a:schemeClr val="tx1"/>
+            </a:fontRef>
+          </p:style>
+        </p:cxnSp>
+        <p:cxnSp>
+          <p:nvCxnSpPr>
+            <p:cNvPr id="262" name="Straight Connector 261"/>
+            <p:cNvCxnSpPr/>
+            <p:nvPr/>
+          </p:nvCxnSpPr>
+          <p:spPr>
+            <a:xfrm>
+              <a:off x="4817904" y="5143513"/>
+              <a:ext cx="252572" cy="214313"/>
+            </a:xfrm>
+            <a:prstGeom prst="line">
+              <a:avLst/>
+            </a:prstGeom>
+            <a:ln>
+              <a:solidFill>
+                <a:schemeClr val="bg1">
+                  <a:lumMod val="50000"/>
+                </a:schemeClr>
+              </a:solidFill>
+            </a:ln>
+          </p:spPr>
+          <p:style>
+            <a:lnRef idx="1">
+              <a:schemeClr val="dk1"/>
+            </a:lnRef>
+            <a:fillRef idx="0">
+              <a:schemeClr val="dk1"/>
+            </a:fillRef>
+            <a:effectRef idx="0">
+              <a:schemeClr val="dk1"/>
+            </a:effectRef>
+            <a:fontRef idx="minor">
+              <a:schemeClr val="tx1"/>
+            </a:fontRef>
+          </p:style>
+        </p:cxnSp>
+      </p:grpSp>
+      <p:sp>
+        <p:nvSpPr>
+          <p:cNvPr id="263" name="Oval 262"/>
+          <p:cNvSpPr/>
+          <p:nvPr/>
+        </p:nvSpPr>
+        <p:spPr>
+          <a:xfrm>
+            <a:off x="5659760" y="2405878"/>
+            <a:ext cx="98436" cy="98436"/>
+          </a:xfrm>
+          <a:prstGeom prst="ellipse">
+            <a:avLst/>
+          </a:prstGeom>
+          <a:ln w="9525">
+            <a:solidFill>
+              <a:schemeClr val="bg1">
+                <a:lumMod val="50000"/>
+              </a:schemeClr>
+            </a:solidFill>
+          </a:ln>
+        </p:spPr>
+        <p:style>
+          <a:lnRef idx="2">
+            <a:schemeClr val="dk1"/>
+          </a:lnRef>
+          <a:fillRef idx="1">
+            <a:schemeClr val="lt1"/>
+          </a:fillRef>
+          <a:effectRef idx="0">
+            <a:schemeClr val="dk1"/>
+          </a:effectRef>
+          <a:fontRef idx="minor">
+            <a:schemeClr val="dk1"/>
+          </a:fontRef>
+        </p:style>
+        <p:txBody>
+          <a:bodyPr rtlCol="0" anchor="ctr"/>
+          <a:lstStyle/>
+          <a:p>
+            <a:pPr algn="ctr"/>
+            <a:endParaRPr lang="en-US"/>
+          </a:p>
+        </p:txBody>
+      </p:sp>
+      <p:cxnSp>
+        <p:nvCxnSpPr>
+          <p:cNvPr id="92" name="Straight Connector 91"/>
+          <p:cNvCxnSpPr/>
+          <p:nvPr/>
+        </p:nvCxnSpPr>
+        <p:spPr>
+          <a:xfrm rot="10800000">
+            <a:off x="6160462" y="4206879"/>
+            <a:ext cx="252000" cy="1588"/>
+          </a:xfrm>
+          <a:prstGeom prst="line">
+            <a:avLst/>
+          </a:prstGeom>
+          <a:ln>
+            <a:solidFill>
+              <a:schemeClr val="bg1">
+                <a:lumMod val="50000"/>
+              </a:schemeClr>
+            </a:solidFill>
+          </a:ln>
+        </p:spPr>
+        <p:style>
+          <a:lnRef idx="1">
+            <a:schemeClr val="dk1"/>
+          </a:lnRef>
+          <a:fillRef idx="0">
+            <a:schemeClr val="dk1"/>
+          </a:fillRef>
+          <a:effectRef idx="0">
+            <a:schemeClr val="dk1"/>
+          </a:effectRef>
+          <a:fontRef idx="minor">
+            <a:schemeClr val="tx1"/>
+          </a:fontRef>
+        </p:style>
+      </p:cxnSp>
+      <p:cxnSp>
+        <p:nvCxnSpPr>
+          <p:cNvPr id="97" name="Straight Connector 96"/>
+          <p:cNvCxnSpPr/>
+          <p:nvPr/>
+        </p:nvCxnSpPr>
+        <p:spPr>
+          <a:xfrm rot="10800000">
+            <a:off x="3199325" y="4292606"/>
+            <a:ext cx="252000" cy="1588"/>
+          </a:xfrm>
+          <a:prstGeom prst="line">
+            <a:avLst/>
+          </a:prstGeom>
+          <a:ln>
+            <a:solidFill>
+              <a:schemeClr val="bg1">
+                <a:lumMod val="50000"/>
+              </a:schemeClr>
+            </a:solidFill>
+          </a:ln>
+        </p:spPr>
+        <p:style>
+          <a:lnRef idx="1">
+            <a:schemeClr val="dk1"/>
+          </a:lnRef>
+          <a:fillRef idx="0">
+            <a:schemeClr val="dk1"/>
+          </a:fillRef>
+          <a:effectRef idx="0">
+            <a:schemeClr val="dk1"/>
+          </a:effectRef>
+          <a:fontRef idx="minor">
+            <a:schemeClr val="tx1"/>
+          </a:fontRef>
+        </p:style>
+      </p:cxnSp>
+      <p:sp>
+        <p:nvSpPr>
+          <p:cNvPr id="18" name="Flowchart: Process 17"/>
+          <p:cNvSpPr/>
+          <p:nvPr/>
+        </p:nvSpPr>
+        <p:spPr>
+          <a:xfrm>
+            <a:off x="5686432" y="3641725"/>
+            <a:ext cx="1214446" cy="496819"/>
+          </a:xfrm>
+          <a:prstGeom prst="flowChartProcess">
+            <a:avLst/>
+          </a:prstGeom>
+        </p:spPr>
+        <p:style>
+          <a:lnRef idx="2">
+            <a:schemeClr val="accent2"/>
+          </a:lnRef>
+          <a:fillRef idx="1">
+            <a:schemeClr val="lt1"/>
+          </a:fillRef>
+          <a:effectRef idx="0">
+            <a:schemeClr val="accent2"/>
+          </a:effectRef>
+          <a:fontRef idx="minor">
+            <a:schemeClr val="dk1"/>
+          </a:fontRef>
+        </p:style>
+        <p:txBody>
+          <a:bodyPr wrap="none" rtlCol="0" anchor="ctr"/>
+          <a:lstStyle/>
+          <a:p>
+            <a:pPr algn="ctr"/>
+            <a:r>
+              <a:rPr lang="pt-PT" dirty="0" smtClean="0"/>
+              <a:t>EP</a:t>
+            </a:r>
+            <a:endParaRPr lang="en-US" dirty="0"/>
+          </a:p>
+        </p:txBody>
+      </p:sp>
+      <p:sp>
+        <p:nvSpPr>
+          <p:cNvPr id="35" name="Flowchart: Process 34"/>
+          <p:cNvSpPr/>
+          <p:nvPr/>
+        </p:nvSpPr>
+        <p:spPr>
+          <a:xfrm>
+            <a:off x="2716198" y="3641725"/>
+            <a:ext cx="1214446" cy="496819"/>
+          </a:xfrm>
+          <a:prstGeom prst="flowChartProcess">
+            <a:avLst/>
+          </a:prstGeom>
+        </p:spPr>
+        <p:style>
+          <a:lnRef idx="2">
+            <a:schemeClr val="accent2"/>
+          </a:lnRef>
+          <a:fillRef idx="1">
+            <a:schemeClr val="lt1"/>
+          </a:fillRef>
+          <a:effectRef idx="0">
+            <a:schemeClr val="accent2"/>
+          </a:effectRef>
+          <a:fontRef idx="minor">
+            <a:schemeClr val="dk1"/>
+          </a:fontRef>
+        </p:style>
+        <p:txBody>
+          <a:bodyPr wrap="none" rtlCol="0" anchor="ctr"/>
+          <a:lstStyle/>
+          <a:p>
+            <a:pPr algn="ctr"/>
+            <a:r>
+              <a:rPr lang="pt-PT" dirty="0" smtClean="0"/>
+              <a:t>LP</a:t>
+            </a:r>
+            <a:endParaRPr lang="en-US" dirty="0"/>
+          </a:p>
+        </p:txBody>
+      </p:sp>
+      <p:sp>
+        <p:nvSpPr>
+          <p:cNvPr id="130" name="Flowchart: Process 129"/>
+          <p:cNvSpPr/>
+          <p:nvPr/>
+        </p:nvSpPr>
+        <p:spPr>
+          <a:xfrm>
+            <a:off x="1616052" y="2206687"/>
+            <a:ext cx="1214446" cy="496819"/>
+          </a:xfrm>
+          <a:prstGeom prst="flowChartProcess">
+            <a:avLst/>
+          </a:prstGeom>
+        </p:spPr>
+        <p:style>
+          <a:lnRef idx="2">
+            <a:schemeClr val="accent2"/>
+          </a:lnRef>
+          <a:fillRef idx="1">
+            <a:schemeClr val="lt1"/>
+          </a:fillRef>
+          <a:effectRef idx="0">
+            <a:schemeClr val="accent2"/>
+          </a:effectRef>
+          <a:fontRef idx="minor">
+            <a:schemeClr val="dk1"/>
+          </a:fontRef>
+        </p:style>
+        <p:txBody>
+          <a:bodyPr wrap="none" rtlCol="0" anchor="ctr"/>
+          <a:lstStyle/>
+          <a:p>
+            <a:pPr algn="ctr"/>
+            <a:r>
+              <a:rPr lang="pt-PT" dirty="0" smtClean="0"/>
+              <a:t>Intérprete</a:t>
+            </a:r>
+            <a:endParaRPr lang="en-US" dirty="0"/>
+          </a:p>
+        </p:txBody>
+      </p:sp>
+      <p:sp>
+        <p:nvSpPr>
+          <p:cNvPr id="16" name="Isosceles Triangle 15"/>
+          <p:cNvSpPr/>
+          <p:nvPr/>
+        </p:nvSpPr>
+        <p:spPr>
+          <a:xfrm>
+            <a:off x="4595810" y="3000372"/>
+            <a:ext cx="571504" cy="357190"/>
+          </a:xfrm>
+          <a:prstGeom prst="triangle">
+            <a:avLst/>
+          </a:prstGeom>
+        </p:spPr>
+        <p:style>
+          <a:lnRef idx="2">
+            <a:schemeClr val="accent5"/>
+          </a:lnRef>
+          <a:fillRef idx="1">
+            <a:schemeClr val="lt1"/>
+          </a:fillRef>
+          <a:effectRef idx="0">
+            <a:schemeClr val="accent5"/>
+          </a:effectRef>
+          <a:fontRef idx="minor">
+            <a:schemeClr val="dk1"/>
+          </a:fontRef>
+        </p:style>
+        <p:txBody>
+          <a:bodyPr wrap="none" rtlCol="0" anchor="ctr"/>
+          <a:lstStyle/>
+          <a:p>
+            <a:pPr algn="ctr"/>
+            <a:r>
+              <a:rPr lang="pt-PT" sz="1000" dirty="0" smtClean="0"/>
+              <a:t>IS-A</a:t>
+            </a:r>
+            <a:endParaRPr lang="en-US" sz="1000" dirty="0"/>
+          </a:p>
+        </p:txBody>
+      </p:sp>
+      <p:grpSp>
+        <p:nvGrpSpPr>
+          <p:cNvPr id="4" name="Group 171"/>
+          <p:cNvGrpSpPr/>
+          <p:nvPr/>
+        </p:nvGrpSpPr>
+        <p:grpSpPr>
+          <a:xfrm>
+            <a:off x="4103681" y="2344129"/>
+            <a:ext cx="160974" cy="221934"/>
+            <a:chOff x="4810124" y="4929199"/>
+            <a:chExt cx="260352" cy="428627"/>
+          </a:xfrm>
+        </p:grpSpPr>
+        <p:cxnSp>
+          <p:nvCxnSpPr>
+            <p:cNvPr id="173" name="Straight Connector 172"/>
+            <p:cNvCxnSpPr/>
+            <p:nvPr/>
+          </p:nvCxnSpPr>
+          <p:spPr>
+            <a:xfrm flipV="1">
+              <a:off x="4810124" y="4929199"/>
+              <a:ext cx="252572" cy="214313"/>
+            </a:xfrm>
+            <a:prstGeom prst="line">
+              <a:avLst/>
+            </a:prstGeom>
+            <a:ln>
+              <a:solidFill>
+                <a:schemeClr val="bg1">
+                  <a:lumMod val="50000"/>
+                </a:schemeClr>
+              </a:solidFill>
+            </a:ln>
+          </p:spPr>
+          <p:style>
+            <a:lnRef idx="1">
+              <a:schemeClr val="dk1"/>
+            </a:lnRef>
+            <a:fillRef idx="0">
+              <a:schemeClr val="dk1"/>
+            </a:fillRef>
+            <a:effectRef idx="0">
+              <a:schemeClr val="dk1"/>
+            </a:effectRef>
+            <a:fontRef idx="minor">
+              <a:schemeClr val="tx1"/>
+            </a:fontRef>
+          </p:style>
+        </p:cxnSp>
+        <p:cxnSp>
+          <p:nvCxnSpPr>
+            <p:cNvPr id="175" name="Straight Connector 174"/>
+            <p:cNvCxnSpPr/>
+            <p:nvPr/>
+          </p:nvCxnSpPr>
+          <p:spPr>
+            <a:xfrm>
+              <a:off x="4817904" y="5143513"/>
+              <a:ext cx="252572" cy="214313"/>
+            </a:xfrm>
+            <a:prstGeom prst="line">
+              <a:avLst/>
+            </a:prstGeom>
+            <a:ln>
+              <a:solidFill>
+                <a:schemeClr val="bg1">
+                  <a:lumMod val="50000"/>
+                </a:schemeClr>
+              </a:solidFill>
+            </a:ln>
+          </p:spPr>
+          <p:style>
+            <a:lnRef idx="1">
+              <a:schemeClr val="dk1"/>
+            </a:lnRef>
+            <a:fillRef idx="0">
+              <a:schemeClr val="dk1"/>
+            </a:fillRef>
+            <a:effectRef idx="0">
+              <a:schemeClr val="dk1"/>
+            </a:effectRef>
+            <a:fontRef idx="minor">
+              <a:schemeClr val="tx1"/>
+            </a:fontRef>
+          </p:style>
+        </p:cxnSp>
+      </p:grpSp>
+      <p:cxnSp>
+        <p:nvCxnSpPr>
+          <p:cNvPr id="176" name="Straight Connector 175"/>
+          <p:cNvCxnSpPr/>
+          <p:nvPr/>
+        </p:nvCxnSpPr>
+        <p:spPr>
+          <a:xfrm rot="16200000" flipH="1">
+            <a:off x="3972603" y="2454459"/>
+            <a:ext cx="252000" cy="1274"/>
+          </a:xfrm>
+          <a:prstGeom prst="line">
+            <a:avLst/>
+          </a:prstGeom>
+          <a:ln>
+            <a:solidFill>
+              <a:schemeClr val="bg1">
+                <a:lumMod val="50000"/>
+              </a:schemeClr>
+            </a:solidFill>
+          </a:ln>
+        </p:spPr>
+        <p:style>
+          <a:lnRef idx="1">
+            <a:schemeClr val="dk1"/>
+          </a:lnRef>
+          <a:fillRef idx="0">
+            <a:schemeClr val="dk1"/>
+          </a:fillRef>
+          <a:effectRef idx="0">
+            <a:schemeClr val="dk1"/>
+          </a:effectRef>
+          <a:fontRef idx="minor">
+            <a:schemeClr val="tx1"/>
+          </a:fontRef>
+        </p:style>
+      </p:cxnSp>
+      <p:cxnSp>
+        <p:nvCxnSpPr>
+          <p:cNvPr id="178" name="Straight Connector 177"/>
+          <p:cNvCxnSpPr/>
+          <p:nvPr/>
+        </p:nvCxnSpPr>
+        <p:spPr>
+          <a:xfrm rot="16200000" flipH="1">
+            <a:off x="2835311" y="2454460"/>
+            <a:ext cx="252000" cy="1274"/>
+          </a:xfrm>
+          <a:prstGeom prst="line">
+            <a:avLst/>
+          </a:prstGeom>
+          <a:ln>
+            <a:solidFill>
+              <a:schemeClr val="bg1">
+                <a:lumMod val="50000"/>
+              </a:schemeClr>
+            </a:solidFill>
+          </a:ln>
+        </p:spPr>
+        <p:style>
+          <a:lnRef idx="1">
+            <a:schemeClr val="dk1"/>
+          </a:lnRef>
+          <a:fillRef idx="0">
+            <a:schemeClr val="dk1"/>
+          </a:fillRef>
+          <a:effectRef idx="0">
+            <a:schemeClr val="dk1"/>
+          </a:effectRef>
+          <a:fontRef idx="minor">
+            <a:schemeClr val="tx1"/>
+          </a:fontRef>
+        </p:style>
+      </p:cxnSp>
+      <p:cxnSp>
+        <p:nvCxnSpPr>
+          <p:cNvPr id="179" name="Straight Connector 178"/>
+          <p:cNvCxnSpPr/>
+          <p:nvPr/>
+        </p:nvCxnSpPr>
+        <p:spPr>
+          <a:xfrm rot="16200000" flipH="1">
+            <a:off x="2763873" y="2454460"/>
+            <a:ext cx="252000" cy="1274"/>
+          </a:xfrm>
+          <a:prstGeom prst="line">
+            <a:avLst/>
+          </a:prstGeom>
+          <a:ln>
+            <a:solidFill>
+              <a:schemeClr val="bg1">
+                <a:lumMod val="50000"/>
+              </a:schemeClr>
+            </a:solidFill>
+          </a:ln>
+        </p:spPr>
+        <p:style>
+          <a:lnRef idx="1">
+            <a:schemeClr val="dk1"/>
+          </a:lnRef>
+          <a:fillRef idx="0">
+            <a:schemeClr val="dk1"/>
+          </a:fillRef>
+          <a:effectRef idx="0">
+            <a:schemeClr val="dk1"/>
+          </a:effectRef>
+          <a:fontRef idx="minor">
+            <a:schemeClr val="tx1"/>
+          </a:fontRef>
+        </p:style>
+      </p:cxnSp>
+      <p:cxnSp>
+        <p:nvCxnSpPr>
+          <p:cNvPr id="188" name="Elbow Connector 183"/>
+          <p:cNvCxnSpPr>
+            <a:stCxn id="169" idx="2"/>
+            <a:endCxn id="129" idx="1"/>
+          </p:cNvCxnSpPr>
+          <p:nvPr/>
+        </p:nvCxnSpPr>
+        <p:spPr>
+          <a:xfrm rot="16200000" flipH="1">
+            <a:off x="3668431" y="4663550"/>
+            <a:ext cx="268822" cy="942993"/>
+          </a:xfrm>
+          <a:prstGeom prst="bentConnector2">
+            <a:avLst/>
+          </a:prstGeom>
+          <a:ln>
+            <a:solidFill>
+              <a:schemeClr val="bg1">
+                <a:lumMod val="65000"/>
+              </a:schemeClr>
+            </a:solidFill>
+          </a:ln>
+        </p:spPr>
+        <p:style>
+          <a:lnRef idx="1">
+            <a:schemeClr val="accent1"/>
+          </a:lnRef>
+          <a:fillRef idx="0">
+            <a:schemeClr val="accent1"/>
+          </a:fillRef>
+          <a:effectRef idx="0">
+            <a:schemeClr val="accent1"/>
+          </a:effectRef>
+          <a:fontRef idx="minor">
+            <a:schemeClr val="tx1"/>
+          </a:fontRef>
+        </p:style>
+      </p:cxnSp>
+      <p:cxnSp>
+        <p:nvCxnSpPr>
+          <p:cNvPr id="215" name="Straight Connector 214"/>
+          <p:cNvCxnSpPr/>
+          <p:nvPr/>
+        </p:nvCxnSpPr>
+        <p:spPr>
+          <a:xfrm rot="16200000" flipH="1">
+            <a:off x="5516618" y="5268875"/>
+            <a:ext cx="252000" cy="1274"/>
+          </a:xfrm>
+          <a:prstGeom prst="line">
+            <a:avLst/>
+          </a:prstGeom>
+          <a:ln>
+            <a:solidFill>
+              <a:schemeClr val="bg1">
+                <a:lumMod val="50000"/>
+              </a:schemeClr>
+            </a:solidFill>
+          </a:ln>
+        </p:spPr>
+        <p:style>
+          <a:lnRef idx="1">
+            <a:schemeClr val="dk1"/>
+          </a:lnRef>
+          <a:fillRef idx="0">
+            <a:schemeClr val="dk1"/>
+          </a:fillRef>
+          <a:effectRef idx="0">
+            <a:schemeClr val="dk1"/>
+          </a:effectRef>
+          <a:fontRef idx="minor">
+            <a:schemeClr val="tx1"/>
+          </a:fontRef>
+        </p:style>
+      </p:cxnSp>
+      <p:cxnSp>
+        <p:nvCxnSpPr>
+          <p:cNvPr id="217" name="Straight Connector 216"/>
+          <p:cNvCxnSpPr/>
+          <p:nvPr/>
+        </p:nvCxnSpPr>
+        <p:spPr>
+          <a:xfrm rot="10800000">
+            <a:off x="3199325" y="4221168"/>
+            <a:ext cx="252000" cy="1588"/>
+          </a:xfrm>
+          <a:prstGeom prst="line">
+            <a:avLst/>
+          </a:prstGeom>
+          <a:ln>
+            <a:solidFill>
+              <a:schemeClr val="bg1">
+                <a:lumMod val="50000"/>
+              </a:schemeClr>
+            </a:solidFill>
+          </a:ln>
+        </p:spPr>
+        <p:style>
+          <a:lnRef idx="1">
+            <a:schemeClr val="dk1"/>
+          </a:lnRef>
+          <a:fillRef idx="0">
+            <a:schemeClr val="dk1"/>
+          </a:fillRef>
+          <a:effectRef idx="0">
+            <a:schemeClr val="dk1"/>
+          </a:effectRef>
+          <a:fontRef idx="minor">
+            <a:schemeClr val="tx1"/>
+          </a:fontRef>
+        </p:style>
+      </p:cxnSp>
+      <p:cxnSp>
+        <p:nvCxnSpPr>
+          <p:cNvPr id="218" name="Straight Connector 217"/>
+          <p:cNvCxnSpPr/>
+          <p:nvPr/>
+        </p:nvCxnSpPr>
+        <p:spPr>
+          <a:xfrm rot="10800000">
+            <a:off x="6167446" y="4289748"/>
+            <a:ext cx="252000" cy="1588"/>
+          </a:xfrm>
+          <a:prstGeom prst="line">
+            <a:avLst/>
+          </a:prstGeom>
+          <a:ln>
+            <a:solidFill>
+              <a:schemeClr val="bg1">
+                <a:lumMod val="50000"/>
+              </a:schemeClr>
+            </a:solidFill>
+          </a:ln>
+        </p:spPr>
+        <p:style>
+          <a:lnRef idx="1">
+            <a:schemeClr val="dk1"/>
+          </a:lnRef>
+          <a:fillRef idx="0">
+            <a:schemeClr val="dk1"/>
+          </a:fillRef>
+          <a:effectRef idx="0">
+            <a:schemeClr val="dk1"/>
+          </a:effectRef>
+          <a:fontRef idx="minor">
+            <a:schemeClr val="tx1"/>
+          </a:fontRef>
+        </p:style>
+      </p:cxnSp>
+      <p:grpSp>
+        <p:nvGrpSpPr>
+          <p:cNvPr id="6" name="Group 98"/>
+          <p:cNvGrpSpPr/>
+          <p:nvPr/>
+        </p:nvGrpSpPr>
+        <p:grpSpPr>
+          <a:xfrm rot="10800000">
+            <a:off x="5484817" y="5158752"/>
+            <a:ext cx="160974" cy="221934"/>
+            <a:chOff x="4810124" y="4929199"/>
+            <a:chExt cx="260352" cy="428627"/>
+          </a:xfrm>
+        </p:grpSpPr>
+        <p:cxnSp>
+          <p:nvCxnSpPr>
+            <p:cNvPr id="102" name="Straight Connector 101"/>
+            <p:cNvCxnSpPr/>
+            <p:nvPr/>
+          </p:nvCxnSpPr>
+          <p:spPr>
+            <a:xfrm flipV="1">
+              <a:off x="4810124" y="4929199"/>
+              <a:ext cx="252572" cy="214313"/>
+            </a:xfrm>
+            <a:prstGeom prst="line">
+              <a:avLst/>
+            </a:prstGeom>
+            <a:ln>
+              <a:solidFill>
+                <a:schemeClr val="bg1">
+                  <a:lumMod val="50000"/>
+                </a:schemeClr>
+              </a:solidFill>
+            </a:ln>
+          </p:spPr>
+          <p:style>
+            <a:lnRef idx="1">
+              <a:schemeClr val="dk1"/>
+            </a:lnRef>
+            <a:fillRef idx="0">
+              <a:schemeClr val="dk1"/>
+            </a:fillRef>
+            <a:effectRef idx="0">
+              <a:schemeClr val="dk1"/>
+            </a:effectRef>
+            <a:fontRef idx="minor">
+              <a:schemeClr val="tx1"/>
+            </a:fontRef>
+          </p:style>
+        </p:cxnSp>
+        <p:cxnSp>
+          <p:nvCxnSpPr>
+            <p:cNvPr id="103" name="Straight Connector 102"/>
+            <p:cNvCxnSpPr/>
+            <p:nvPr/>
+          </p:nvCxnSpPr>
+          <p:spPr>
+            <a:xfrm>
+              <a:off x="4817904" y="5143513"/>
+              <a:ext cx="252572" cy="214313"/>
+            </a:xfrm>
+            <a:prstGeom prst="line">
+              <a:avLst/>
+            </a:prstGeom>
+            <a:ln>
+              <a:solidFill>
+                <a:schemeClr val="bg1">
+                  <a:lumMod val="50000"/>
+                </a:schemeClr>
+              </a:solidFill>
+            </a:ln>
+          </p:spPr>
+          <p:style>
+            <a:lnRef idx="1">
+              <a:schemeClr val="dk1"/>
+            </a:lnRef>
+            <a:fillRef idx="0">
+              <a:schemeClr val="dk1"/>
+            </a:fillRef>
+            <a:effectRef idx="0">
+              <a:schemeClr val="dk1"/>
+            </a:effectRef>
+            <a:fontRef idx="minor">
+              <a:schemeClr val="tx1"/>
+            </a:fontRef>
+          </p:style>
+        </p:cxnSp>
+      </p:grpSp>
+      <p:sp>
+        <p:nvSpPr>
+          <p:cNvPr id="129" name="Flowchart: Process 128"/>
+          <p:cNvSpPr/>
+          <p:nvPr/>
+        </p:nvSpPr>
+        <p:spPr>
+          <a:xfrm>
+            <a:off x="4274339" y="5021048"/>
+            <a:ext cx="1214446" cy="496819"/>
+          </a:xfrm>
+          <a:prstGeom prst="flowChartProcess">
+            <a:avLst/>
+          </a:prstGeom>
+        </p:spPr>
+        <p:style>
+          <a:lnRef idx="2">
+            <a:schemeClr val="accent2"/>
+          </a:lnRef>
+          <a:fillRef idx="1">
+            <a:schemeClr val="lt1"/>
+          </a:fillRef>
+          <a:effectRef idx="0">
+            <a:schemeClr val="accent2"/>
+          </a:effectRef>
+          <a:fontRef idx="minor">
+            <a:schemeClr val="dk1"/>
+          </a:fontRef>
+        </p:style>
+        <p:txBody>
+          <a:bodyPr wrap="none" rtlCol="0" anchor="ctr"/>
+          <a:lstStyle/>
+          <a:p>
+            <a:pPr algn="ctr"/>
+            <a:r>
+              <a:rPr lang="pt-PT" dirty="0" smtClean="0"/>
+              <a:t>Faixa</a:t>
+            </a:r>
+            <a:endParaRPr lang="en-US" dirty="0"/>
+          </a:p>
+        </p:txBody>
+      </p:sp>
+      <p:sp>
+        <p:nvSpPr>
+          <p:cNvPr id="104" name="TextBox 103"/>
+          <p:cNvSpPr txBox="1"/>
+          <p:nvPr/>
+        </p:nvSpPr>
+        <p:spPr>
+          <a:xfrm>
+            <a:off x="5473704" y="4929198"/>
+            <a:ext cx="338554" cy="215444"/>
+          </a:xfrm>
+          <a:prstGeom prst="rect">
+            <a:avLst/>
+          </a:prstGeom>
+          <a:noFill/>
+        </p:spPr>
+        <p:txBody>
+          <a:bodyPr wrap="none" rtlCol="0">
+            <a:spAutoFit/>
+          </a:bodyPr>
+          <a:lstStyle/>
+          <a:p>
+            <a:r>
+              <a:rPr lang="pt-PT" sz="800" dirty="0" smtClean="0">
+                <a:solidFill>
+                  <a:schemeClr val="tx1">
+                    <a:lumMod val="65000"/>
+                    <a:lumOff val="35000"/>
+                  </a:schemeClr>
+                </a:solidFill>
+              </a:rPr>
+              <a:t>1..4</a:t>
+            </a:r>
+            <a:endParaRPr lang="pt-PT" sz="800" dirty="0">
+              <a:solidFill>
+                <a:schemeClr val="tx1">
+                  <a:lumMod val="65000"/>
+                  <a:lumOff val="35000"/>
+                </a:schemeClr>
+              </a:solidFill>
+            </a:endParaRPr>
+          </a:p>
+        </p:txBody>
+      </p:sp>
+      <p:sp>
+        <p:nvSpPr>
+          <p:cNvPr id="105" name="TextBox 104"/>
+          <p:cNvSpPr txBox="1"/>
+          <p:nvPr/>
+        </p:nvSpPr>
+        <p:spPr>
+          <a:xfrm>
+            <a:off x="3940168" y="4929198"/>
+            <a:ext cx="338554" cy="215444"/>
+          </a:xfrm>
+          <a:prstGeom prst="rect">
+            <a:avLst/>
+          </a:prstGeom>
+          <a:noFill/>
+        </p:spPr>
+        <p:txBody>
+          <a:bodyPr wrap="none" rtlCol="0">
+            <a:spAutoFit/>
+          </a:bodyPr>
+          <a:lstStyle/>
+          <a:p>
+            <a:r>
+              <a:rPr lang="pt-PT" sz="800" dirty="0" smtClean="0">
+                <a:solidFill>
+                  <a:schemeClr val="tx1">
+                    <a:lumMod val="65000"/>
+                    <a:lumOff val="35000"/>
+                  </a:schemeClr>
+                </a:solidFill>
+              </a:rPr>
+              <a:t>1..*</a:t>
+            </a:r>
+            <a:endParaRPr lang="pt-PT" sz="800" dirty="0">
+              <a:solidFill>
+                <a:schemeClr val="tx1">
+                  <a:lumMod val="65000"/>
+                  <a:lumOff val="35000"/>
+                </a:schemeClr>
+              </a:solidFill>
+            </a:endParaRPr>
+          </a:p>
+        </p:txBody>
+      </p:sp>
+      <p:sp>
+        <p:nvSpPr>
+          <p:cNvPr id="106" name="TextBox 105"/>
+          <p:cNvSpPr txBox="1"/>
+          <p:nvPr/>
+        </p:nvSpPr>
+        <p:spPr>
+          <a:xfrm>
+            <a:off x="3930643" y="2122478"/>
+            <a:ext cx="338554" cy="215444"/>
+          </a:xfrm>
+          <a:prstGeom prst="rect">
+            <a:avLst/>
+          </a:prstGeom>
+          <a:noFill/>
+        </p:spPr>
+        <p:txBody>
+          <a:bodyPr wrap="none" rtlCol="0">
+            <a:spAutoFit/>
+          </a:bodyPr>
+          <a:lstStyle/>
+          <a:p>
+            <a:r>
+              <a:rPr lang="pt-PT" sz="800" dirty="0" smtClean="0">
+                <a:solidFill>
+                  <a:schemeClr val="tx1">
+                    <a:lumMod val="65000"/>
+                    <a:lumOff val="35000"/>
+                  </a:schemeClr>
+                </a:solidFill>
+              </a:rPr>
+              <a:t>1..*</a:t>
+            </a:r>
+            <a:endParaRPr lang="pt-PT" sz="800" dirty="0">
+              <a:solidFill>
+                <a:schemeClr val="tx1">
+                  <a:lumMod val="65000"/>
+                  <a:lumOff val="35000"/>
+                </a:schemeClr>
+              </a:solidFill>
+            </a:endParaRPr>
+          </a:p>
+        </p:txBody>
+      </p:sp>
+      <p:sp>
+        <p:nvSpPr>
+          <p:cNvPr id="107" name="TextBox 106"/>
+          <p:cNvSpPr txBox="1"/>
+          <p:nvPr/>
+        </p:nvSpPr>
+        <p:spPr>
+          <a:xfrm>
+            <a:off x="5495929" y="2122478"/>
+            <a:ext cx="338554" cy="215444"/>
+          </a:xfrm>
+          <a:prstGeom prst="rect">
+            <a:avLst/>
+          </a:prstGeom>
+          <a:noFill/>
+        </p:spPr>
+        <p:txBody>
+          <a:bodyPr wrap="none" rtlCol="0">
+            <a:spAutoFit/>
+          </a:bodyPr>
+          <a:lstStyle/>
+          <a:p>
+            <a:r>
+              <a:rPr lang="pt-PT" sz="800" dirty="0" smtClean="0">
+                <a:solidFill>
+                  <a:schemeClr val="tx1">
+                    <a:lumMod val="65000"/>
+                    <a:lumOff val="35000"/>
+                  </a:schemeClr>
+                </a:solidFill>
+              </a:rPr>
+              <a:t>0..*</a:t>
+            </a:r>
+            <a:endParaRPr lang="pt-PT" sz="800" dirty="0">
+              <a:solidFill>
+                <a:schemeClr val="tx1">
+                  <a:lumMod val="65000"/>
+                  <a:lumOff val="35000"/>
+                </a:schemeClr>
+              </a:solidFill>
+            </a:endParaRPr>
+          </a:p>
+        </p:txBody>
+      </p:sp>
+      <p:sp>
+        <p:nvSpPr>
+          <p:cNvPr id="120" name="Flowchart: Decision 119"/>
+          <p:cNvSpPr/>
+          <p:nvPr/>
+        </p:nvSpPr>
+        <p:spPr>
+          <a:xfrm>
+            <a:off x="4561691" y="1487474"/>
+            <a:ext cx="639743" cy="428628"/>
+          </a:xfrm>
+          <a:prstGeom prst="flowChartDecision">
+            <a:avLst/>
+          </a:prstGeom>
+        </p:spPr>
+        <p:style>
+          <a:lnRef idx="2">
+            <a:schemeClr val="accent5"/>
+          </a:lnRef>
+          <a:fillRef idx="1">
+            <a:schemeClr val="lt1"/>
+          </a:fillRef>
+          <a:effectRef idx="0">
+            <a:schemeClr val="accent5"/>
+          </a:effectRef>
+          <a:fontRef idx="minor">
+            <a:schemeClr val="dk1"/>
+          </a:fontRef>
+        </p:style>
+        <p:txBody>
+          <a:bodyPr rtlCol="0" anchor="ctr"/>
+          <a:lstStyle/>
+          <a:p>
+            <a:pPr algn="ctr"/>
+            <a:endParaRPr lang="en-US"/>
+          </a:p>
+        </p:txBody>
+      </p:sp>
+      <p:cxnSp>
+        <p:nvCxnSpPr>
+          <p:cNvPr id="121" name="Straight Connector 120"/>
+          <p:cNvCxnSpPr>
+            <a:stCxn id="120" idx="2"/>
+            <a:endCxn id="5" idx="0"/>
+          </p:cNvCxnSpPr>
+          <p:nvPr/>
+        </p:nvCxnSpPr>
+        <p:spPr>
+          <a:xfrm rot="5400000">
+            <a:off x="4736271" y="2061394"/>
+            <a:ext cx="290585" cy="1"/>
+          </a:xfrm>
+          <a:prstGeom prst="line">
+            <a:avLst/>
+          </a:prstGeom>
+          <a:ln>
+            <a:solidFill>
+              <a:schemeClr val="bg1">
+                <a:lumMod val="65000"/>
+              </a:schemeClr>
+            </a:solidFill>
+          </a:ln>
+        </p:spPr>
+        <p:style>
+          <a:lnRef idx="1">
+            <a:schemeClr val="accent1"/>
+          </a:lnRef>
+          <a:fillRef idx="0">
+            <a:schemeClr val="accent1"/>
+          </a:fillRef>
+          <a:effectRef idx="0">
+            <a:schemeClr val="accent1"/>
+          </a:effectRef>
+          <a:fontRef idx="minor">
+            <a:schemeClr val="tx1"/>
+          </a:fontRef>
+        </p:style>
+      </p:cxnSp>
+      <p:cxnSp>
+        <p:nvCxnSpPr>
+          <p:cNvPr id="125" name="Straight Connector 124"/>
+          <p:cNvCxnSpPr>
+            <a:stCxn id="115" idx="2"/>
+            <a:endCxn id="120" idx="0"/>
+          </p:cNvCxnSpPr>
+          <p:nvPr/>
+        </p:nvCxnSpPr>
+        <p:spPr>
+          <a:xfrm rot="16200000" flipH="1">
+            <a:off x="4743413" y="1349323"/>
+            <a:ext cx="276299" cy="1"/>
+          </a:xfrm>
+          <a:prstGeom prst="line">
+            <a:avLst/>
+          </a:prstGeom>
+          <a:ln>
+            <a:solidFill>
+              <a:schemeClr val="bg1">
+                <a:lumMod val="65000"/>
+              </a:schemeClr>
+            </a:solidFill>
+          </a:ln>
+        </p:spPr>
+        <p:style>
+          <a:lnRef idx="1">
+            <a:schemeClr val="accent1"/>
+          </a:lnRef>
+          <a:fillRef idx="0">
+            <a:schemeClr val="accent1"/>
+          </a:fillRef>
+          <a:effectRef idx="0">
+            <a:schemeClr val="accent1"/>
+          </a:effectRef>
+          <a:fontRef idx="minor">
+            <a:schemeClr val="tx1"/>
+          </a:fontRef>
+        </p:style>
+      </p:cxnSp>
+      <p:cxnSp>
+        <p:nvCxnSpPr>
+          <p:cNvPr id="128" name="Straight Connector 127"/>
+          <p:cNvCxnSpPr/>
+          <p:nvPr/>
+        </p:nvCxnSpPr>
+        <p:spPr>
+          <a:xfrm rot="16200000" flipH="1">
+            <a:off x="4881562" y="1911546"/>
+            <a:ext cx="0" cy="252000"/>
+          </a:xfrm>
+          <a:prstGeom prst="line">
+            <a:avLst/>
+          </a:prstGeom>
+          <a:ln>
+            <a:solidFill>
+              <a:schemeClr val="bg1">
+                <a:lumMod val="50000"/>
+              </a:schemeClr>
+            </a:solidFill>
+          </a:ln>
+        </p:spPr>
+        <p:style>
+          <a:lnRef idx="1">
+            <a:schemeClr val="dk1"/>
+          </a:lnRef>
+          <a:fillRef idx="0">
+            <a:schemeClr val="dk1"/>
+          </a:fillRef>
+          <a:effectRef idx="0">
+            <a:schemeClr val="dk1"/>
+          </a:effectRef>
+          <a:fontRef idx="minor">
+            <a:schemeClr val="tx1"/>
+          </a:fontRef>
+        </p:style>
+      </p:cxnSp>
+      <p:grpSp>
+        <p:nvGrpSpPr>
+          <p:cNvPr id="7" name="Group 143"/>
+          <p:cNvGrpSpPr/>
+          <p:nvPr/>
+        </p:nvGrpSpPr>
+        <p:grpSpPr>
+          <a:xfrm rot="5400000">
+            <a:off x="4801075" y="2009447"/>
+            <a:ext cx="160974" cy="221934"/>
+            <a:chOff x="4810124" y="4929199"/>
+            <a:chExt cx="260352" cy="428627"/>
+          </a:xfrm>
+        </p:grpSpPr>
+        <p:cxnSp>
+          <p:nvCxnSpPr>
+            <p:cNvPr id="145" name="Straight Connector 144"/>
+            <p:cNvCxnSpPr/>
+            <p:nvPr/>
+          </p:nvCxnSpPr>
+          <p:spPr>
+            <a:xfrm flipV="1">
+              <a:off x="4810124" y="4929199"/>
+              <a:ext cx="252572" cy="214313"/>
+            </a:xfrm>
+            <a:prstGeom prst="line">
+              <a:avLst/>
+            </a:prstGeom>
+            <a:ln>
+              <a:solidFill>
+                <a:schemeClr val="bg1">
+                  <a:lumMod val="50000"/>
+                </a:schemeClr>
+              </a:solidFill>
+            </a:ln>
+          </p:spPr>
+          <p:style>
+            <a:lnRef idx="1">
+              <a:schemeClr val="dk1"/>
+            </a:lnRef>
+            <a:fillRef idx="0">
+              <a:schemeClr val="dk1"/>
+            </a:fillRef>
+            <a:effectRef idx="0">
+              <a:schemeClr val="dk1"/>
+            </a:effectRef>
+            <a:fontRef idx="minor">
+              <a:schemeClr val="tx1"/>
+            </a:fontRef>
+          </p:style>
+        </p:cxnSp>
+        <p:cxnSp>
+          <p:nvCxnSpPr>
+            <p:cNvPr id="150" name="Straight Connector 149"/>
+            <p:cNvCxnSpPr/>
+            <p:nvPr/>
+          </p:nvCxnSpPr>
+          <p:spPr>
+            <a:xfrm>
+              <a:off x="4817904" y="5143513"/>
+              <a:ext cx="252572" cy="214313"/>
+            </a:xfrm>
+            <a:prstGeom prst="line">
+              <a:avLst/>
+            </a:prstGeom>
+            <a:ln>
+              <a:solidFill>
+                <a:schemeClr val="bg1">
+                  <a:lumMod val="50000"/>
+                </a:schemeClr>
+              </a:solidFill>
+            </a:ln>
+          </p:spPr>
+          <p:style>
+            <a:lnRef idx="1">
+              <a:schemeClr val="dk1"/>
+            </a:lnRef>
+            <a:fillRef idx="0">
+              <a:schemeClr val="dk1"/>
+            </a:fillRef>
+            <a:effectRef idx="0">
+              <a:schemeClr val="dk1"/>
+            </a:effectRef>
+            <a:fontRef idx="minor">
+              <a:schemeClr val="tx1"/>
+            </a:fontRef>
+          </p:style>
+        </p:cxnSp>
+      </p:grpSp>
+      <p:sp>
+        <p:nvSpPr>
+          <p:cNvPr id="5" name="Flowchart: Process 4"/>
+          <p:cNvSpPr/>
+          <p:nvPr/>
+        </p:nvSpPr>
+        <p:spPr>
+          <a:xfrm>
+            <a:off x="4274339" y="2206687"/>
+            <a:ext cx="1214446" cy="496819"/>
+          </a:xfrm>
+          <a:prstGeom prst="flowChartProcess">
+            <a:avLst/>
+          </a:prstGeom>
+        </p:spPr>
+        <p:style>
+          <a:lnRef idx="2">
+            <a:schemeClr val="accent2"/>
+          </a:lnRef>
+          <a:fillRef idx="1">
+            <a:schemeClr val="lt1"/>
+          </a:fillRef>
+          <a:effectRef idx="0">
+            <a:schemeClr val="accent2"/>
+          </a:effectRef>
+          <a:fontRef idx="minor">
+            <a:schemeClr val="dk1"/>
+          </a:fontRef>
+        </p:style>
+        <p:txBody>
+          <a:bodyPr wrap="none" rtlCol="0" anchor="ctr"/>
+          <a:lstStyle/>
+          <a:p>
+            <a:pPr algn="ctr"/>
+            <a:r>
+              <a:rPr lang="pt-PT" dirty="0" smtClean="0"/>
+              <a:t>Album</a:t>
+            </a:r>
+            <a:endParaRPr lang="en-US" dirty="0"/>
+          </a:p>
+        </p:txBody>
+      </p:sp>
+      <p:cxnSp>
+        <p:nvCxnSpPr>
+          <p:cNvPr id="152" name="Straight Connector 151"/>
+          <p:cNvCxnSpPr/>
+          <p:nvPr/>
+        </p:nvCxnSpPr>
+        <p:spPr>
+          <a:xfrm rot="5400000" flipH="1">
+            <a:off x="4881353" y="1256699"/>
+            <a:ext cx="0" cy="252000"/>
+          </a:xfrm>
+          <a:prstGeom prst="line">
+            <a:avLst/>
+          </a:prstGeom>
+          <a:ln>
+            <a:solidFill>
+              <a:schemeClr val="bg1">
+                <a:lumMod val="50000"/>
+              </a:schemeClr>
+            </a:solidFill>
+          </a:ln>
+        </p:spPr>
+        <p:style>
+          <a:lnRef idx="1">
+            <a:schemeClr val="dk1"/>
+          </a:lnRef>
+          <a:fillRef idx="0">
+            <a:schemeClr val="dk1"/>
+          </a:fillRef>
+          <a:effectRef idx="0">
+            <a:schemeClr val="dk1"/>
+          </a:effectRef>
+          <a:fontRef idx="minor">
+            <a:schemeClr val="tx1"/>
+          </a:fontRef>
+        </p:style>
+      </p:cxnSp>
+      <p:grpSp>
+        <p:nvGrpSpPr>
+          <p:cNvPr id="8" name="Group 152"/>
           <p:cNvGrpSpPr/>
           <p:nvPr/>
         </p:nvGrpSpPr>

--- a/Documentação/Report Structures.pptx
+++ b/Documentação/Report Structures.pptx
@@ -18,7 +18,8 @@
     <p:sldId id="270" r:id="rId12"/>
     <p:sldId id="269" r:id="rId13"/>
     <p:sldId id="276" r:id="rId14"/>
-    <p:sldId id="273" r:id="rId15"/>
+    <p:sldId id="277" r:id="rId15"/>
+    <p:sldId id="273" r:id="rId16"/>
   </p:sldIdLst>
   <p:sldSz cx="9906000" cy="6858000" type="A4"/>
   <p:notesSz cx="6858000" cy="9144000"/>
@@ -2791,7 +2792,7 @@
             <a:fld id="{A0E7F589-1F38-4BF3-A97E-57DCE8FA8CDC}" type="datetimeFigureOut">
               <a:rPr lang="en-US" smtClean="0"/>
               <a:pPr/>
-              <a:t>9/16/2010</a:t>
+              <a:t>9/17/2010</a:t>
             </a:fld>
             <a:endParaRPr lang="en-US"/>
           </a:p>
@@ -2958,7 +2959,7 @@
             <a:fld id="{A0E7F589-1F38-4BF3-A97E-57DCE8FA8CDC}" type="datetimeFigureOut">
               <a:rPr lang="en-US" smtClean="0"/>
               <a:pPr/>
-              <a:t>9/16/2010</a:t>
+              <a:t>9/17/2010</a:t>
             </a:fld>
             <a:endParaRPr lang="en-US"/>
           </a:p>
@@ -3135,7 +3136,7 @@
             <a:fld id="{A0E7F589-1F38-4BF3-A97E-57DCE8FA8CDC}" type="datetimeFigureOut">
               <a:rPr lang="en-US" smtClean="0"/>
               <a:pPr/>
-              <a:t>9/16/2010</a:t>
+              <a:t>9/17/2010</a:t>
             </a:fld>
             <a:endParaRPr lang="en-US"/>
           </a:p>
@@ -3302,7 +3303,7 @@
             <a:fld id="{A0E7F589-1F38-4BF3-A97E-57DCE8FA8CDC}" type="datetimeFigureOut">
               <a:rPr lang="en-US" smtClean="0"/>
               <a:pPr/>
-              <a:t>9/16/2010</a:t>
+              <a:t>9/17/2010</a:t>
             </a:fld>
             <a:endParaRPr lang="en-US"/>
           </a:p>
@@ -3545,7 +3546,7 @@
             <a:fld id="{A0E7F589-1F38-4BF3-A97E-57DCE8FA8CDC}" type="datetimeFigureOut">
               <a:rPr lang="en-US" smtClean="0"/>
               <a:pPr/>
-              <a:t>9/16/2010</a:t>
+              <a:t>9/17/2010</a:t>
             </a:fld>
             <a:endParaRPr lang="en-US"/>
           </a:p>
@@ -3830,7 +3831,7 @@
             <a:fld id="{A0E7F589-1F38-4BF3-A97E-57DCE8FA8CDC}" type="datetimeFigureOut">
               <a:rPr lang="en-US" smtClean="0"/>
               <a:pPr/>
-              <a:t>9/16/2010</a:t>
+              <a:t>9/17/2010</a:t>
             </a:fld>
             <a:endParaRPr lang="en-US"/>
           </a:p>
@@ -4254,7 +4255,7 @@
             <a:fld id="{A0E7F589-1F38-4BF3-A97E-57DCE8FA8CDC}" type="datetimeFigureOut">
               <a:rPr lang="en-US" smtClean="0"/>
               <a:pPr/>
-              <a:t>9/16/2010</a:t>
+              <a:t>9/17/2010</a:t>
             </a:fld>
             <a:endParaRPr lang="en-US"/>
           </a:p>
@@ -4369,7 +4370,7 @@
             <a:fld id="{A0E7F589-1F38-4BF3-A97E-57DCE8FA8CDC}" type="datetimeFigureOut">
               <a:rPr lang="en-US" smtClean="0"/>
               <a:pPr/>
-              <a:t>9/16/2010</a:t>
+              <a:t>9/17/2010</a:t>
             </a:fld>
             <a:endParaRPr lang="en-US"/>
           </a:p>
@@ -4461,7 +4462,7 @@
             <a:fld id="{A0E7F589-1F38-4BF3-A97E-57DCE8FA8CDC}" type="datetimeFigureOut">
               <a:rPr lang="en-US" smtClean="0"/>
               <a:pPr/>
-              <a:t>9/16/2010</a:t>
+              <a:t>9/17/2010</a:t>
             </a:fld>
             <a:endParaRPr lang="en-US"/>
           </a:p>
@@ -4735,7 +4736,7 @@
             <a:fld id="{A0E7F589-1F38-4BF3-A97E-57DCE8FA8CDC}" type="datetimeFigureOut">
               <a:rPr lang="en-US" smtClean="0"/>
               <a:pPr/>
-              <a:t>9/16/2010</a:t>
+              <a:t>9/17/2010</a:t>
             </a:fld>
             <a:endParaRPr lang="en-US"/>
           </a:p>
@@ -4985,7 +4986,7 @@
             <a:fld id="{A0E7F589-1F38-4BF3-A97E-57DCE8FA8CDC}" type="datetimeFigureOut">
               <a:rPr lang="en-US" smtClean="0"/>
               <a:pPr/>
-              <a:t>9/16/2010</a:t>
+              <a:t>9/17/2010</a:t>
             </a:fld>
             <a:endParaRPr lang="en-US"/>
           </a:p>
@@ -5195,7 +5196,7 @@
             <a:fld id="{A0E7F589-1F38-4BF3-A97E-57DCE8FA8CDC}" type="datetimeFigureOut">
               <a:rPr lang="en-US" smtClean="0"/>
               <a:pPr/>
-              <a:t>9/16/2010</a:t>
+              <a:t>9/17/2010</a:t>
             </a:fld>
             <a:endParaRPr lang="en-US"/>
           </a:p>
@@ -6462,6 +6463,137 @@
           <a:xfrm>
             <a:off x="614363" y="723900"/>
             <a:ext cx="8677275" cy="5410200"/>
+          </a:xfrm>
+          <a:prstGeom prst="rect">
+            <a:avLst/>
+          </a:prstGeom>
+          <a:noFill/>
+          <a:ln w="9525">
+            <a:noFill/>
+            <a:miter lim="800000"/>
+            <a:headEnd/>
+            <a:tailEnd/>
+          </a:ln>
+          <a:effectLst/>
+        </p:spPr>
+      </p:pic>
+    </p:spTree>
+  </p:cSld>
+  <p:clrMapOvr>
+    <a:masterClrMapping/>
+  </p:clrMapOvr>
+  <p:timing>
+    <p:tnLst>
+      <p:par>
+        <p:cTn id="1" dur="indefinite" restart="never" nodeType="tmRoot"/>
+      </p:par>
+    </p:tnLst>
+  </p:timing>
+</p:sld>
+</file>
+
+<file path=ppt/slides/slide15.xml><?xml version="1.0" encoding="utf-8"?>
+<p:sld xmlns:a="http://schemas.openxmlformats.org/drawingml/2006/main" xmlns:r="http://schemas.openxmlformats.org/officeDocument/2006/relationships" xmlns:p="http://schemas.openxmlformats.org/presentationml/2006/main">
+  <p:cSld>
+    <p:spTree>
+      <p:nvGrpSpPr>
+        <p:cNvPr id="1" name=""/>
+        <p:cNvGrpSpPr/>
+        <p:nvPr/>
+      </p:nvGrpSpPr>
+      <p:grpSpPr>
+        <a:xfrm>
+          <a:off x="0" y="0"/>
+          <a:ext cx="0" cy="0"/>
+          <a:chOff x="0" y="0"/>
+          <a:chExt cx="0" cy="0"/>
+        </a:xfrm>
+      </p:grpSpPr>
+      <p:pic>
+        <p:nvPicPr>
+          <p:cNvPr id="1026" name="Picture 2"/>
+          <p:cNvPicPr>
+            <a:picLocks noChangeAspect="1" noChangeArrowheads="1"/>
+          </p:cNvPicPr>
+          <p:nvPr/>
+        </p:nvPicPr>
+        <p:blipFill>
+          <a:blip r:embed="rId2"/>
+          <a:srcRect/>
+          <a:stretch>
+            <a:fillRect/>
+          </a:stretch>
+        </p:blipFill>
+        <p:spPr bwMode="auto">
+          <a:xfrm>
+            <a:off x="5019675" y="0"/>
+            <a:ext cx="4886325" cy="4000500"/>
+          </a:xfrm>
+          <a:prstGeom prst="rect">
+            <a:avLst/>
+          </a:prstGeom>
+          <a:noFill/>
+          <a:ln w="9525">
+            <a:noFill/>
+            <a:miter lim="800000"/>
+            <a:headEnd/>
+            <a:tailEnd/>
+          </a:ln>
+          <a:effectLst/>
+        </p:spPr>
+      </p:pic>
+      <p:pic>
+        <p:nvPicPr>
+          <p:cNvPr id="1027" name="Picture 3"/>
+          <p:cNvPicPr>
+            <a:picLocks noChangeAspect="1" noChangeArrowheads="1"/>
+          </p:cNvPicPr>
+          <p:nvPr/>
+        </p:nvPicPr>
+        <p:blipFill>
+          <a:blip r:embed="rId3"/>
+          <a:srcRect/>
+          <a:stretch>
+            <a:fillRect/>
+          </a:stretch>
+        </p:blipFill>
+        <p:spPr bwMode="auto">
+          <a:xfrm>
+            <a:off x="1123950" y="847725"/>
+            <a:ext cx="7658100" cy="5162550"/>
+          </a:xfrm>
+          <a:prstGeom prst="rect">
+            <a:avLst/>
+          </a:prstGeom>
+          <a:noFill/>
+          <a:ln w="9525">
+            <a:noFill/>
+            <a:miter lim="800000"/>
+            <a:headEnd/>
+            <a:tailEnd/>
+          </a:ln>
+          <a:effectLst/>
+        </p:spPr>
+      </p:pic>
+      <p:pic>
+        <p:nvPicPr>
+          <p:cNvPr id="1029" name="Picture 5"/>
+          <p:cNvPicPr>
+            <a:picLocks noChangeAspect="1" noChangeArrowheads="1"/>
+          </p:cNvPicPr>
+          <p:nvPr/>
+        </p:nvPicPr>
+        <p:blipFill>
+          <a:blip r:embed="rId4"/>
+          <a:srcRect l="57617" t="46250" r="2539" b="36874"/>
+          <a:stretch>
+            <a:fillRect/>
+          </a:stretch>
+        </p:blipFill>
+        <p:spPr bwMode="auto">
+          <a:xfrm>
+            <a:off x="452406" y="4929198"/>
+            <a:ext cx="4857784" cy="1285884"/>
           </a:xfrm>
           <a:prstGeom prst="rect">
             <a:avLst/>

--- a/Documentação/Report Structures.pptx
+++ b/Documentação/Report Structures.pptx
@@ -9966,8 +9966,8 @@
         </p:nvSpPr>
         <p:spPr>
           <a:xfrm>
-            <a:off x="1381100" y="679430"/>
-            <a:ext cx="7072362" cy="4286280"/>
+            <a:off x="166654" y="179364"/>
+            <a:ext cx="6215106" cy="4286280"/>
           </a:xfrm>
           <a:prstGeom prst="roundRect">
             <a:avLst>
@@ -10115,7 +10115,7 @@
         </p:nvSpPr>
         <p:spPr>
           <a:xfrm>
-            <a:off x="4524372" y="1286653"/>
+            <a:off x="3309926" y="786587"/>
             <a:ext cx="500066" cy="285752"/>
           </a:xfrm>
           <a:prstGeom prst="rightArrow">
@@ -10156,7 +10156,7 @@
         </p:nvSpPr>
         <p:spPr>
           <a:xfrm>
-            <a:off x="3238488" y="1179496"/>
+            <a:off x="2024042" y="679430"/>
             <a:ext cx="1285884" cy="500066"/>
           </a:xfrm>
           <a:prstGeom prst="roundRect">
@@ -10292,7 +10292,7 @@
         </p:nvSpPr>
         <p:spPr>
           <a:xfrm>
-            <a:off x="1595414" y="1179496"/>
+            <a:off x="380968" y="679430"/>
             <a:ext cx="1143007" cy="1714512"/>
           </a:xfrm>
           <a:prstGeom prst="roundRect">
@@ -10445,7 +10445,7 @@
         </p:nvSpPr>
         <p:spPr>
           <a:xfrm>
-            <a:off x="6653224" y="1965314"/>
+            <a:off x="6823088" y="2643182"/>
             <a:ext cx="857256" cy="1071570"/>
           </a:xfrm>
           <a:prstGeom prst="can">
@@ -10513,7 +10513,7 @@
         </p:nvSpPr>
         <p:spPr>
           <a:xfrm>
-            <a:off x="1868466" y="571480"/>
+            <a:off x="654020" y="77764"/>
             <a:ext cx="2155840" cy="214314"/>
           </a:xfrm>
           <a:prstGeom prst="roundRect">
@@ -10579,7 +10579,7 @@
         </p:nvSpPr>
         <p:spPr>
           <a:xfrm>
-            <a:off x="5607372" y="4108453"/>
+            <a:off x="3835710" y="3608387"/>
             <a:ext cx="191454" cy="409571"/>
           </a:xfrm>
           <a:prstGeom prst="upDownArrow">
@@ -10620,7 +10620,7 @@
         </p:nvSpPr>
         <p:spPr>
           <a:xfrm rot="5400000">
-            <a:off x="5468307" y="2962432"/>
+            <a:off x="4253861" y="2462366"/>
             <a:ext cx="469581" cy="250827"/>
           </a:xfrm>
           <a:prstGeom prst="rightArrow">
@@ -10661,7 +10661,7 @@
         </p:nvSpPr>
         <p:spPr>
           <a:xfrm>
-            <a:off x="5578083" y="2039610"/>
+            <a:off x="4363637" y="1539544"/>
             <a:ext cx="250033" cy="803678"/>
           </a:xfrm>
           <a:prstGeom prst="can">
@@ -10708,7 +10708,7 @@
         </p:nvSpPr>
         <p:spPr>
           <a:xfrm rot="16200000">
-            <a:off x="5487198" y="1770050"/>
+            <a:off x="4272752" y="1269984"/>
             <a:ext cx="431803" cy="250827"/>
           </a:xfrm>
           <a:prstGeom prst="rightArrow">
@@ -10749,7 +10749,7 @@
         </p:nvSpPr>
         <p:spPr>
           <a:xfrm>
-            <a:off x="2738422" y="1286653"/>
+            <a:off x="1523976" y="786587"/>
             <a:ext cx="500066" cy="285752"/>
           </a:xfrm>
           <a:prstGeom prst="rightArrow">
@@ -10790,7 +10790,7 @@
         </p:nvSpPr>
         <p:spPr>
           <a:xfrm>
-            <a:off x="3381364" y="2052628"/>
+            <a:off x="2166918" y="1552562"/>
             <a:ext cx="1500198" cy="304802"/>
           </a:xfrm>
           <a:prstGeom prst="roundRect">
@@ -10926,7 +10926,7 @@
         </p:nvSpPr>
         <p:spPr>
           <a:xfrm>
-            <a:off x="3381364" y="2624132"/>
+            <a:off x="2166918" y="2124066"/>
             <a:ext cx="1500198" cy="304802"/>
           </a:xfrm>
           <a:prstGeom prst="roundRect">
@@ -11064,7 +11064,7 @@
         </p:nvCxnSpPr>
         <p:spPr>
           <a:xfrm>
-            <a:off x="4881562" y="2205029"/>
+            <a:off x="3667116" y="1704963"/>
             <a:ext cx="714380" cy="190501"/>
           </a:xfrm>
           <a:prstGeom prst="straightConnector1">
@@ -11103,7 +11103,7 @@
         </p:nvCxnSpPr>
         <p:spPr>
           <a:xfrm flipV="1">
-            <a:off x="4881562" y="2571745"/>
+            <a:off x="3667116" y="2071679"/>
             <a:ext cx="714380" cy="204788"/>
           </a:xfrm>
           <a:prstGeom prst="straightConnector1">
@@ -11140,12 +11140,28 @@
         </p:nvSpPr>
         <p:spPr>
           <a:xfrm>
-            <a:off x="1587476" y="5095886"/>
-            <a:ext cx="1785950" cy="928694"/>
+            <a:off x="361204" y="4572008"/>
+            <a:ext cx="1519962" cy="928694"/>
           </a:xfrm>
           <a:prstGeom prst="cloud">
             <a:avLst/>
           </a:prstGeom>
+          <a:gradFill flip="none" rotWithShape="1">
+            <a:gsLst>
+              <a:gs pos="0">
+                <a:srgbClr val="00B0F0">
+                  <a:alpha val="34000"/>
+                </a:srgbClr>
+              </a:gs>
+              <a:gs pos="100000">
+                <a:schemeClr val="bg1"/>
+              </a:gs>
+            </a:gsLst>
+            <a:path path="circle">
+              <a:fillToRect l="100000" t="100000"/>
+            </a:path>
+            <a:tileRect r="-100000" b="-100000"/>
+          </a:gradFill>
         </p:spPr>
         <p:style>
           <a:lnRef idx="2">
@@ -11181,7 +11197,7 @@
         </p:nvSpPr>
         <p:spPr>
           <a:xfrm>
-            <a:off x="5024438" y="1179496"/>
+            <a:off x="3809992" y="679430"/>
             <a:ext cx="1357322" cy="500066"/>
           </a:xfrm>
           <a:prstGeom prst="roundRect">
@@ -11311,56 +11327,14 @@
       </p:sp>
       <p:sp>
         <p:nvSpPr>
-          <p:cNvPr id="142" name="Bent Arrow 141"/>
-          <p:cNvSpPr/>
-          <p:nvPr/>
-        </p:nvSpPr>
-        <p:spPr>
-          <a:xfrm flipH="1">
-            <a:off x="7537468" y="2451092"/>
-            <a:ext cx="404850" cy="2071702"/>
-          </a:xfrm>
-          <a:prstGeom prst="bentArrow">
-            <a:avLst/>
-          </a:prstGeom>
-        </p:spPr>
-        <p:style>
-          <a:lnRef idx="1">
-            <a:schemeClr val="accent2"/>
-          </a:lnRef>
-          <a:fillRef idx="3">
-            <a:schemeClr val="accent2"/>
-          </a:fillRef>
-          <a:effectRef idx="2">
-            <a:schemeClr val="accent2"/>
-          </a:effectRef>
-          <a:fontRef idx="minor">
-            <a:schemeClr val="lt1"/>
-          </a:fontRef>
-        </p:style>
-        <p:txBody>
-          <a:bodyPr rtlCol="0" anchor="ctr"/>
-          <a:lstStyle/>
-          <a:p>
-            <a:pPr algn="ctr"/>
-            <a:endParaRPr lang="pt-PT">
-              <a:solidFill>
-                <a:schemeClr val="tx1"/>
-              </a:solidFill>
-            </a:endParaRPr>
-          </a:p>
-        </p:txBody>
-      </p:sp>
-      <p:sp>
-        <p:nvSpPr>
           <p:cNvPr id="53" name="Rounded Rectangle 52"/>
           <p:cNvSpPr/>
           <p:nvPr/>
         </p:nvSpPr>
         <p:spPr>
           <a:xfrm>
-            <a:off x="3724266" y="4543432"/>
-            <a:ext cx="4429156" cy="1071570"/>
+            <a:off x="2080966" y="4043366"/>
+            <a:ext cx="4015042" cy="1071570"/>
           </a:xfrm>
           <a:prstGeom prst="roundRect">
             <a:avLst>
@@ -11416,8 +11390,8 @@
         </p:nvSpPr>
         <p:spPr>
           <a:xfrm>
-            <a:off x="3809992" y="4632333"/>
-            <a:ext cx="4257704" cy="285752"/>
+            <a:off x="2166710" y="4132267"/>
+            <a:ext cx="3843572" cy="285752"/>
           </a:xfrm>
           <a:prstGeom prst="roundRect">
             <a:avLst/>
@@ -11458,8 +11432,8 @@
         </p:nvSpPr>
         <p:spPr>
           <a:xfrm>
-            <a:off x="3809992" y="4981585"/>
-            <a:ext cx="1038761" cy="500066"/>
+            <a:off x="2174627" y="4481519"/>
+            <a:ext cx="911987" cy="500066"/>
           </a:xfrm>
           <a:prstGeom prst="roundRect">
             <a:avLst/>
@@ -11481,7 +11455,7 @@
           </a:fontRef>
         </p:style>
         <p:txBody>
-          <a:bodyPr rtlCol="0" anchor="ctr"/>
+          <a:bodyPr lIns="0" tIns="0" rIns="0" bIns="0" rtlCol="0" anchor="ctr"/>
           <a:lstStyle>
             <a:defPPr>
               <a:defRPr lang="en-US"/>
@@ -11595,8 +11569,8 @@
         </p:nvSpPr>
         <p:spPr>
           <a:xfrm>
-            <a:off x="4878740" y="4981585"/>
-            <a:ext cx="1038761" cy="500066"/>
+            <a:off x="3138600" y="4481519"/>
+            <a:ext cx="911987" cy="500066"/>
           </a:xfrm>
           <a:prstGeom prst="roundRect">
             <a:avLst/>
@@ -11618,7 +11592,7 @@
           </a:fontRef>
         </p:style>
         <p:txBody>
-          <a:bodyPr rtlCol="0" anchor="ctr"/>
+          <a:bodyPr lIns="0" tIns="0" rIns="0" bIns="0" rtlCol="0" anchor="ctr"/>
           <a:lstStyle>
             <a:defPPr>
               <a:defRPr lang="en-US"/>
@@ -11732,8 +11706,8 @@
         </p:nvSpPr>
         <p:spPr>
           <a:xfrm>
-            <a:off x="5947488" y="4981585"/>
-            <a:ext cx="1038761" cy="304803"/>
+            <a:off x="4108570" y="4481519"/>
+            <a:ext cx="911987" cy="304803"/>
           </a:xfrm>
           <a:prstGeom prst="roundRect">
             <a:avLst/>
@@ -11755,7 +11729,7 @@
           </a:fontRef>
         </p:style>
         <p:txBody>
-          <a:bodyPr rtlCol="0" anchor="ctr"/>
+          <a:bodyPr lIns="0" tIns="0" rIns="0" bIns="0" rtlCol="0" anchor="ctr"/>
           <a:lstStyle>
             <a:defPPr>
               <a:defRPr lang="en-US"/>
@@ -11869,8 +11843,8 @@
         </p:nvSpPr>
         <p:spPr>
           <a:xfrm>
-            <a:off x="7016235" y="4981585"/>
-            <a:ext cx="1038761" cy="500066"/>
+            <a:off x="5085595" y="4481519"/>
+            <a:ext cx="911987" cy="500066"/>
           </a:xfrm>
           <a:prstGeom prst="roundRect">
             <a:avLst/>
@@ -11892,7 +11866,7 @@
           </a:fontRef>
         </p:style>
         <p:txBody>
-          <a:bodyPr rtlCol="0" anchor="ctr"/>
+          <a:bodyPr lIns="0" tIns="0" rIns="0" bIns="0" rtlCol="0" anchor="ctr"/>
           <a:lstStyle>
             <a:defPPr>
               <a:defRPr lang="en-US"/>
@@ -11998,47 +11972,6 @@
           </a:p>
         </p:txBody>
       </p:sp>
-      <p:sp>
-        <p:nvSpPr>
-          <p:cNvPr id="143" name="Up-Down Arrow 142"/>
-          <p:cNvSpPr/>
-          <p:nvPr/>
-        </p:nvSpPr>
-        <p:spPr>
-          <a:xfrm>
-            <a:off x="6986605" y="3055937"/>
-            <a:ext cx="191454" cy="285752"/>
-          </a:xfrm>
-          <a:prstGeom prst="upDownArrow">
-            <a:avLst>
-              <a:gd name="adj1" fmla="val 45489"/>
-              <a:gd name="adj2" fmla="val 48519"/>
-            </a:avLst>
-          </a:prstGeom>
-        </p:spPr>
-        <p:style>
-          <a:lnRef idx="1">
-            <a:schemeClr val="accent2"/>
-          </a:lnRef>
-          <a:fillRef idx="3">
-            <a:schemeClr val="accent2"/>
-          </a:fillRef>
-          <a:effectRef idx="2">
-            <a:schemeClr val="accent2"/>
-          </a:effectRef>
-          <a:fontRef idx="minor">
-            <a:schemeClr val="lt1"/>
-          </a:fontRef>
-        </p:style>
-        <p:txBody>
-          <a:bodyPr rtlCol="0" anchor="ctr"/>
-          <a:lstStyle/>
-          <a:p>
-            <a:pPr algn="ctr"/>
-            <a:endParaRPr lang="pt-PT"/>
-          </a:p>
-        </p:txBody>
-      </p:sp>
       <p:grpSp>
         <p:nvGrpSpPr>
           <p:cNvPr id="144" name="Group 143"/>
@@ -12047,7 +11980,7 @@
         </p:nvGrpSpPr>
         <p:grpSpPr>
           <a:xfrm>
-            <a:off x="2024042" y="3369309"/>
+            <a:off x="809596" y="2869243"/>
             <a:ext cx="5397516" cy="714380"/>
             <a:chOff x="2666984" y="3404235"/>
             <a:chExt cx="5397516" cy="714380"/>
@@ -12956,7 +12889,7 @@
         </p:nvSpPr>
         <p:spPr>
           <a:xfrm>
-            <a:off x="2424730" y="3971924"/>
+            <a:off x="1166786" y="3500438"/>
             <a:ext cx="191454" cy="1208100"/>
           </a:xfrm>
           <a:prstGeom prst="upDownArrow">
@@ -12997,7 +12930,7 @@
         </p:nvSpPr>
         <p:spPr>
           <a:xfrm>
-            <a:off x="6810388" y="1357298"/>
+            <a:off x="4881562" y="1500174"/>
             <a:ext cx="1357322" cy="304802"/>
           </a:xfrm>
           <a:prstGeom prst="roundRect">
@@ -13006,7 +12939,7 @@
           <a:ln>
             <a:solidFill>
               <a:schemeClr val="bg1">
-                <a:lumMod val="75000"/>
+                <a:lumMod val="85000"/>
               </a:schemeClr>
             </a:solidFill>
           </a:ln>
@@ -13125,18 +13058,18 @@
           <a:p>
             <a:pPr algn="ctr"/>
             <a:r>
-              <a:rPr lang="pt-PT" sz="1100" dirty="0" smtClean="0"/>
+              <a:rPr lang="pt-PT" sz="1100" i="1" dirty="0" smtClean="0"/>
               <a:t>Pipeline </a:t>
             </a:r>
             <a:r>
-              <a:rPr lang="pt-PT" sz="1100" dirty="0" err="1" smtClean="0"/>
+              <a:rPr lang="pt-PT" sz="1100" i="1" dirty="0" err="1" smtClean="0"/>
               <a:t>de</a:t>
             </a:r>
             <a:r>
-              <a:rPr lang="pt-PT" sz="1100" dirty="0" smtClean="0"/>
+              <a:rPr lang="pt-PT" sz="1100" i="1" dirty="0" smtClean="0"/>
               <a:t> geração</a:t>
             </a:r>
-            <a:endParaRPr lang="pt-PT" sz="1100" dirty="0"/>
+            <a:endParaRPr lang="pt-PT" sz="1100" i="1" dirty="0"/>
           </a:p>
         </p:txBody>
       </p:sp>
@@ -13151,8 +13084,8 @@
         </p:nvCxnSpPr>
         <p:spPr>
           <a:xfrm rot="10800000" flipV="1">
-            <a:off x="5828116" y="1509699"/>
-            <a:ext cx="982272" cy="931750"/>
+            <a:off x="4613670" y="1652575"/>
+            <a:ext cx="267892" cy="288808"/>
           </a:xfrm>
           <a:prstGeom prst="straightConnector1">
             <a:avLst/>
@@ -13190,7 +13123,7 @@
         </p:nvSpPr>
         <p:spPr>
           <a:xfrm rot="5400000">
-            <a:off x="4137534" y="2229914"/>
+            <a:off x="2923088" y="1729848"/>
             <a:ext cx="142876" cy="369332"/>
           </a:xfrm>
           <a:prstGeom prst="rect">
@@ -13219,8 +13152,8 @@
         </p:nvSpPr>
         <p:spPr>
           <a:xfrm>
-            <a:off x="5940432" y="5338776"/>
-            <a:ext cx="1038761" cy="500066"/>
+            <a:off x="4108570" y="4838710"/>
+            <a:ext cx="911987" cy="500066"/>
           </a:xfrm>
           <a:prstGeom prst="roundRect">
             <a:avLst/>
@@ -13242,7 +13175,7 @@
           </a:fontRef>
         </p:style>
         <p:txBody>
-          <a:bodyPr rtlCol="0" anchor="ctr"/>
+          <a:bodyPr lIns="0" tIns="0" rIns="0" bIns="0" rtlCol="0" anchor="ctr"/>
           <a:lstStyle>
             <a:defPPr>
               <a:defRPr lang="en-US"/>
@@ -13345,6 +13278,307 @@
               <a:t>NHibernate</a:t>
             </a:r>
             <a:endParaRPr lang="pt-PT" sz="1300" b="1" dirty="0"/>
+          </a:p>
+        </p:txBody>
+      </p:sp>
+      <p:sp>
+        <p:nvSpPr>
+          <p:cNvPr id="42" name="Rounded Rectangle 41"/>
+          <p:cNvSpPr/>
+          <p:nvPr/>
+        </p:nvSpPr>
+        <p:spPr>
+          <a:xfrm>
+            <a:off x="6524636" y="2285992"/>
+            <a:ext cx="1428760" cy="1857388"/>
+          </a:xfrm>
+          <a:prstGeom prst="roundRect">
+            <a:avLst>
+              <a:gd name="adj" fmla="val 13187"/>
+            </a:avLst>
+          </a:prstGeom>
+          <a:noFill/>
+          <a:ln>
+            <a:solidFill>
+              <a:schemeClr val="bg1">
+                <a:lumMod val="85000"/>
+              </a:schemeClr>
+            </a:solidFill>
+          </a:ln>
+          <a:effectLst>
+            <a:outerShdw blurRad="50800" dist="38100" dir="2700000" algn="tl" rotWithShape="0">
+              <a:prstClr val="black">
+                <a:alpha val="40000"/>
+              </a:prstClr>
+            </a:outerShdw>
+          </a:effectLst>
+        </p:spPr>
+        <p:style>
+          <a:lnRef idx="2">
+            <a:schemeClr val="dk1"/>
+          </a:lnRef>
+          <a:fillRef idx="1">
+            <a:schemeClr val="lt1"/>
+          </a:fillRef>
+          <a:effectRef idx="0">
+            <a:schemeClr val="dk1"/>
+          </a:effectRef>
+          <a:fontRef idx="minor">
+            <a:schemeClr val="dk1"/>
+          </a:fontRef>
+        </p:style>
+        <p:txBody>
+          <a:bodyPr rtlCol="0" anchor="ctr"/>
+          <a:lstStyle>
+            <a:defPPr>
+              <a:defRPr lang="en-US"/>
+            </a:defPPr>
+            <a:lvl1pPr marL="0" algn="l" defTabSz="914400" rtl="0" eaLnBrk="1" latinLnBrk="0" hangingPunct="1">
+              <a:defRPr sz="1800" kern="1200">
+                <a:solidFill>
+                  <a:schemeClr val="dk1"/>
+                </a:solidFill>
+                <a:latin typeface="+mn-lt"/>
+                <a:ea typeface="+mn-ea"/>
+                <a:cs typeface="+mn-cs"/>
+              </a:defRPr>
+            </a:lvl1pPr>
+            <a:lvl2pPr marL="457200" algn="l" defTabSz="914400" rtl="0" eaLnBrk="1" latinLnBrk="0" hangingPunct="1">
+              <a:defRPr sz="1800" kern="1200">
+                <a:solidFill>
+                  <a:schemeClr val="dk1"/>
+                </a:solidFill>
+                <a:latin typeface="+mn-lt"/>
+                <a:ea typeface="+mn-ea"/>
+                <a:cs typeface="+mn-cs"/>
+              </a:defRPr>
+            </a:lvl2pPr>
+            <a:lvl3pPr marL="914400" algn="l" defTabSz="914400" rtl="0" eaLnBrk="1" latinLnBrk="0" hangingPunct="1">
+              <a:defRPr sz="1800" kern="1200">
+                <a:solidFill>
+                  <a:schemeClr val="dk1"/>
+                </a:solidFill>
+                <a:latin typeface="+mn-lt"/>
+                <a:ea typeface="+mn-ea"/>
+                <a:cs typeface="+mn-cs"/>
+              </a:defRPr>
+            </a:lvl3pPr>
+            <a:lvl4pPr marL="1371600" algn="l" defTabSz="914400" rtl="0" eaLnBrk="1" latinLnBrk="0" hangingPunct="1">
+              <a:defRPr sz="1800" kern="1200">
+                <a:solidFill>
+                  <a:schemeClr val="dk1"/>
+                </a:solidFill>
+                <a:latin typeface="+mn-lt"/>
+                <a:ea typeface="+mn-ea"/>
+                <a:cs typeface="+mn-cs"/>
+              </a:defRPr>
+            </a:lvl4pPr>
+            <a:lvl5pPr marL="1828800" algn="l" defTabSz="914400" rtl="0" eaLnBrk="1" latinLnBrk="0" hangingPunct="1">
+              <a:defRPr sz="1800" kern="1200">
+                <a:solidFill>
+                  <a:schemeClr val="dk1"/>
+                </a:solidFill>
+                <a:latin typeface="+mn-lt"/>
+                <a:ea typeface="+mn-ea"/>
+                <a:cs typeface="+mn-cs"/>
+              </a:defRPr>
+            </a:lvl5pPr>
+            <a:lvl6pPr marL="2286000" algn="l" defTabSz="914400" rtl="0" eaLnBrk="1" latinLnBrk="0" hangingPunct="1">
+              <a:defRPr sz="1800" kern="1200">
+                <a:solidFill>
+                  <a:schemeClr val="dk1"/>
+                </a:solidFill>
+                <a:latin typeface="+mn-lt"/>
+                <a:ea typeface="+mn-ea"/>
+                <a:cs typeface="+mn-cs"/>
+              </a:defRPr>
+            </a:lvl6pPr>
+            <a:lvl7pPr marL="2743200" algn="l" defTabSz="914400" rtl="0" eaLnBrk="1" latinLnBrk="0" hangingPunct="1">
+              <a:defRPr sz="1800" kern="1200">
+                <a:solidFill>
+                  <a:schemeClr val="dk1"/>
+                </a:solidFill>
+                <a:latin typeface="+mn-lt"/>
+                <a:ea typeface="+mn-ea"/>
+                <a:cs typeface="+mn-cs"/>
+              </a:defRPr>
+            </a:lvl7pPr>
+            <a:lvl8pPr marL="3200400" algn="l" defTabSz="914400" rtl="0" eaLnBrk="1" latinLnBrk="0" hangingPunct="1">
+              <a:defRPr sz="1800" kern="1200">
+                <a:solidFill>
+                  <a:schemeClr val="dk1"/>
+                </a:solidFill>
+                <a:latin typeface="+mn-lt"/>
+                <a:ea typeface="+mn-ea"/>
+                <a:cs typeface="+mn-cs"/>
+              </a:defRPr>
+            </a:lvl8pPr>
+            <a:lvl9pPr marL="3657600" algn="l" defTabSz="914400" rtl="0" eaLnBrk="1" latinLnBrk="0" hangingPunct="1">
+              <a:defRPr sz="1800" kern="1200">
+                <a:solidFill>
+                  <a:schemeClr val="dk1"/>
+                </a:solidFill>
+                <a:latin typeface="+mn-lt"/>
+                <a:ea typeface="+mn-ea"/>
+                <a:cs typeface="+mn-cs"/>
+              </a:defRPr>
+            </a:lvl9pPr>
+          </a:lstStyle>
+          <a:p>
+            <a:pPr algn="ctr"/>
+            <a:endParaRPr lang="pt-PT" sz="1200" i="1" dirty="0"/>
+          </a:p>
+        </p:txBody>
+      </p:sp>
+      <p:sp>
+        <p:nvSpPr>
+          <p:cNvPr id="43" name="Rounded Rectangle 42"/>
+          <p:cNvSpPr/>
+          <p:nvPr/>
+        </p:nvSpPr>
+        <p:spPr>
+          <a:xfrm>
+            <a:off x="6734188" y="2182804"/>
+            <a:ext cx="785818" cy="214314"/>
+          </a:xfrm>
+          <a:prstGeom prst="roundRect">
+            <a:avLst>
+              <a:gd name="adj" fmla="val 28519"/>
+            </a:avLst>
+          </a:prstGeom>
+          <a:solidFill>
+            <a:schemeClr val="bg1"/>
+          </a:solidFill>
+          <a:ln>
+            <a:solidFill>
+              <a:schemeClr val="bg1">
+                <a:lumMod val="85000"/>
+              </a:schemeClr>
+            </a:solidFill>
+          </a:ln>
+        </p:spPr>
+        <p:style>
+          <a:lnRef idx="2">
+            <a:schemeClr val="dk1"/>
+          </a:lnRef>
+          <a:fillRef idx="1">
+            <a:schemeClr val="lt1"/>
+          </a:fillRef>
+          <a:effectRef idx="0">
+            <a:schemeClr val="dk1"/>
+          </a:effectRef>
+          <a:fontRef idx="minor">
+            <a:schemeClr val="dk1"/>
+          </a:fontRef>
+        </p:style>
+        <p:txBody>
+          <a:bodyPr rtlCol="0" anchor="ctr"/>
+          <a:lstStyle/>
+          <a:p>
+            <a:pPr algn="ctr"/>
+            <a:r>
+              <a:rPr lang="pt-PT" sz="1400" b="1" dirty="0" smtClean="0">
+                <a:solidFill>
+                  <a:schemeClr val="bg1">
+                    <a:lumMod val="65000"/>
+                  </a:schemeClr>
+                </a:solidFill>
+              </a:rPr>
+              <a:t>SGBD</a:t>
+            </a:r>
+            <a:endParaRPr lang="pt-PT" sz="1400" b="1" dirty="0">
+              <a:solidFill>
+                <a:schemeClr val="bg1">
+                  <a:lumMod val="65000"/>
+                </a:schemeClr>
+              </a:solidFill>
+            </a:endParaRPr>
+          </a:p>
+        </p:txBody>
+      </p:sp>
+      <p:sp>
+        <p:nvSpPr>
+          <p:cNvPr id="143" name="Up-Down Arrow 142"/>
+          <p:cNvSpPr/>
+          <p:nvPr/>
+        </p:nvSpPr>
+        <p:spPr>
+          <a:xfrm rot="16200000">
+            <a:off x="6379381" y="2874664"/>
+            <a:ext cx="191454" cy="670565"/>
+          </a:xfrm>
+          <a:prstGeom prst="upDownArrow">
+            <a:avLst>
+              <a:gd name="adj1" fmla="val 45489"/>
+              <a:gd name="adj2" fmla="val 48519"/>
+            </a:avLst>
+          </a:prstGeom>
+        </p:spPr>
+        <p:style>
+          <a:lnRef idx="1">
+            <a:schemeClr val="accent2"/>
+          </a:lnRef>
+          <a:fillRef idx="3">
+            <a:schemeClr val="accent2"/>
+          </a:fillRef>
+          <a:effectRef idx="2">
+            <a:schemeClr val="accent2"/>
+          </a:effectRef>
+          <a:fontRef idx="minor">
+            <a:schemeClr val="lt1"/>
+          </a:fontRef>
+        </p:style>
+        <p:txBody>
+          <a:bodyPr rtlCol="0" anchor="ctr"/>
+          <a:lstStyle/>
+          <a:p>
+            <a:pPr algn="ctr"/>
+            <a:endParaRPr lang="pt-PT"/>
+          </a:p>
+        </p:txBody>
+      </p:sp>
+      <p:sp>
+        <p:nvSpPr>
+          <p:cNvPr id="48" name="Arc 47"/>
+          <p:cNvSpPr/>
+          <p:nvPr/>
+        </p:nvSpPr>
+        <p:spPr>
+          <a:xfrm rot="7499024">
+            <a:off x="5207828" y="2406133"/>
+            <a:ext cx="1919236" cy="2493412"/>
+          </a:xfrm>
+          <a:prstGeom prst="arc">
+            <a:avLst>
+              <a:gd name="adj1" fmla="val 14275288"/>
+              <a:gd name="adj2" fmla="val 19694960"/>
+            </a:avLst>
+          </a:prstGeom>
+          <a:ln w="95250">
+            <a:headEnd type="triangle" w="sm" len="sm"/>
+            <a:tailEnd type="triangle" w="sm" len="sm"/>
+          </a:ln>
+        </p:spPr>
+        <p:style>
+          <a:lnRef idx="3">
+            <a:schemeClr val="accent2"/>
+          </a:lnRef>
+          <a:fillRef idx="0">
+            <a:schemeClr val="accent2"/>
+          </a:fillRef>
+          <a:effectRef idx="2">
+            <a:schemeClr val="accent2"/>
+          </a:effectRef>
+          <a:fontRef idx="minor">
+            <a:schemeClr val="tx1"/>
+          </a:fontRef>
+        </p:style>
+        <p:txBody>
+          <a:bodyPr rtlCol="0" anchor="ctr"/>
+          <a:lstStyle/>
+          <a:p>
+            <a:pPr algn="ctr"/>
+            <a:endParaRPr lang="pt-PT"/>
           </a:p>
         </p:txBody>
       </p:sp>

--- a/Documentação/Report Structures.pptx
+++ b/Documentação/Report Structures.pptx
@@ -1290,7 +1290,699 @@
   </dgm:cxnLst>
   <dgm:bg/>
   <dgm:whole/>
+  <dgm:extLst>
+    <a:ext uri="http://schemas.microsoft.com/office/drawing/2008/diagram">
+      <dsp:dataModelExt xmlns:dsp="http://schemas.microsoft.com/office/drawing/2008/diagram" xmlns="" relId="rId6" minVer="http://schemas.openxmlformats.org/drawingml/2006/diagram"/>
+    </a:ext>
+  </dgm:extLst>
 </dgm:dataModel>
+</file>
+
+<file path=ppt/diagrams/drawing1.xml><?xml version="1.0" encoding="utf-8"?>
+<dsp:drawing xmlns:dgm="http://schemas.openxmlformats.org/drawingml/2006/diagram" xmlns:a="http://schemas.openxmlformats.org/drawingml/2006/main" xmlns:dsp="http://schemas.microsoft.com/office/drawing/2008/diagram">
+  <dsp:spTree>
+    <dsp:nvGrpSpPr>
+      <dsp:cNvPr id="0" name=""/>
+      <dsp:cNvGrpSpPr/>
+    </dsp:nvGrpSpPr>
+    <dsp:grpSpPr/>
+    <dsp:sp modelId="{5C234324-6FA9-46DA-9411-9ED67D810730}">
+      <dsp:nvSpPr>
+        <dsp:cNvPr id="0" name=""/>
+        <dsp:cNvSpPr/>
+      </dsp:nvSpPr>
+      <dsp:spPr>
+        <a:xfrm>
+          <a:off x="4616" y="299510"/>
+          <a:ext cx="1717156" cy="686862"/>
+        </a:xfrm>
+        <a:prstGeom prst="chevron">
+          <a:avLst/>
+        </a:prstGeom>
+        <a:gradFill rotWithShape="0">
+          <a:gsLst>
+            <a:gs pos="0">
+              <a:schemeClr val="accent4">
+                <a:hueOff val="0"/>
+                <a:satOff val="0"/>
+                <a:lumOff val="0"/>
+                <a:alphaOff val="0"/>
+                <a:shade val="51000"/>
+                <a:satMod val="130000"/>
+              </a:schemeClr>
+            </a:gs>
+            <a:gs pos="80000">
+              <a:schemeClr val="accent4">
+                <a:hueOff val="0"/>
+                <a:satOff val="0"/>
+                <a:lumOff val="0"/>
+                <a:alphaOff val="0"/>
+                <a:shade val="93000"/>
+                <a:satMod val="130000"/>
+              </a:schemeClr>
+            </a:gs>
+            <a:gs pos="100000">
+              <a:schemeClr val="accent4">
+                <a:hueOff val="0"/>
+                <a:satOff val="0"/>
+                <a:lumOff val="0"/>
+                <a:alphaOff val="0"/>
+                <a:shade val="94000"/>
+                <a:satMod val="135000"/>
+              </a:schemeClr>
+            </a:gs>
+          </a:gsLst>
+          <a:lin ang="16200000" scaled="0"/>
+        </a:gradFill>
+        <a:ln>
+          <a:noFill/>
+        </a:ln>
+        <a:effectLst>
+          <a:outerShdw blurRad="40000" dist="23000" dir="5400000" rotWithShape="0">
+            <a:srgbClr val="000000">
+              <a:alpha val="35000"/>
+            </a:srgbClr>
+          </a:outerShdw>
+        </a:effectLst>
+        <a:scene3d>
+          <a:camera prst="orthographicFront">
+            <a:rot lat="0" lon="0" rev="0"/>
+          </a:camera>
+          <a:lightRig rig="threePt" dir="t">
+            <a:rot lat="0" lon="0" rev="1200000"/>
+          </a:lightRig>
+        </a:scene3d>
+        <a:sp3d>
+          <a:bevelT w="63500" h="25400"/>
+        </a:sp3d>
+      </dsp:spPr>
+      <dsp:style>
+        <a:lnRef idx="0">
+          <a:scrgbClr r="0" g="0" b="0"/>
+        </a:lnRef>
+        <a:fillRef idx="3">
+          <a:scrgbClr r="0" g="0" b="0"/>
+        </a:fillRef>
+        <a:effectRef idx="3">
+          <a:scrgbClr r="0" g="0" b="0"/>
+        </a:effectRef>
+        <a:fontRef idx="minor">
+          <a:schemeClr val="lt1"/>
+        </a:fontRef>
+      </dsp:style>
+      <dsp:txBody>
+        <a:bodyPr spcFirstLastPara="0" vert="horz" wrap="square" lIns="48006" tIns="16002" rIns="16002" bIns="16002" numCol="1" spcCol="1270" anchor="ctr" anchorCtr="0">
+          <a:noAutofit/>
+        </a:bodyPr>
+        <a:lstStyle/>
+        <a:p>
+          <a:pPr lvl="0" algn="ctr" defTabSz="533400">
+            <a:lnSpc>
+              <a:spcPct val="90000"/>
+            </a:lnSpc>
+            <a:spcBef>
+              <a:spcPct val="0"/>
+            </a:spcBef>
+            <a:spcAft>
+              <a:spcPct val="35000"/>
+            </a:spcAft>
+          </a:pPr>
+          <a:r>
+            <a:rPr lang="pt-PT" sz="1200" kern="1200" dirty="0" smtClean="0"/>
+            <a:t>Análise de Requisitos</a:t>
+          </a:r>
+          <a:endParaRPr lang="pt-PT" sz="1200" kern="1200" dirty="0"/>
+        </a:p>
+      </dsp:txBody>
+      <dsp:txXfrm>
+        <a:off x="4616" y="299510"/>
+        <a:ext cx="1717156" cy="686862"/>
+      </dsp:txXfrm>
+    </dsp:sp>
+    <dsp:sp modelId="{28E0AAF5-507E-4C66-B97C-86E59AE61164}">
+      <dsp:nvSpPr>
+        <dsp:cNvPr id="0" name=""/>
+        <dsp:cNvSpPr/>
+      </dsp:nvSpPr>
+      <dsp:spPr>
+        <a:xfrm>
+          <a:off x="1550057" y="299510"/>
+          <a:ext cx="1717156" cy="686862"/>
+        </a:xfrm>
+        <a:prstGeom prst="chevron">
+          <a:avLst/>
+        </a:prstGeom>
+        <a:gradFill rotWithShape="0">
+          <a:gsLst>
+            <a:gs pos="0">
+              <a:schemeClr val="accent4">
+                <a:hueOff val="-892954"/>
+                <a:satOff val="5380"/>
+                <a:lumOff val="431"/>
+                <a:alphaOff val="0"/>
+                <a:shade val="51000"/>
+                <a:satMod val="130000"/>
+              </a:schemeClr>
+            </a:gs>
+            <a:gs pos="80000">
+              <a:schemeClr val="accent4">
+                <a:hueOff val="-892954"/>
+                <a:satOff val="5380"/>
+                <a:lumOff val="431"/>
+                <a:alphaOff val="0"/>
+                <a:shade val="93000"/>
+                <a:satMod val="130000"/>
+              </a:schemeClr>
+            </a:gs>
+            <a:gs pos="100000">
+              <a:schemeClr val="accent4">
+                <a:hueOff val="-892954"/>
+                <a:satOff val="5380"/>
+                <a:lumOff val="431"/>
+                <a:alphaOff val="0"/>
+                <a:shade val="94000"/>
+                <a:satMod val="135000"/>
+              </a:schemeClr>
+            </a:gs>
+          </a:gsLst>
+          <a:lin ang="16200000" scaled="0"/>
+        </a:gradFill>
+        <a:ln>
+          <a:noFill/>
+        </a:ln>
+        <a:effectLst>
+          <a:outerShdw blurRad="40000" dist="23000" dir="5400000" rotWithShape="0">
+            <a:srgbClr val="000000">
+              <a:alpha val="35000"/>
+            </a:srgbClr>
+          </a:outerShdw>
+        </a:effectLst>
+        <a:scene3d>
+          <a:camera prst="orthographicFront">
+            <a:rot lat="0" lon="0" rev="0"/>
+          </a:camera>
+          <a:lightRig rig="threePt" dir="t">
+            <a:rot lat="0" lon="0" rev="1200000"/>
+          </a:lightRig>
+        </a:scene3d>
+        <a:sp3d>
+          <a:bevelT w="63500" h="25400"/>
+        </a:sp3d>
+      </dsp:spPr>
+      <dsp:style>
+        <a:lnRef idx="0">
+          <a:scrgbClr r="0" g="0" b="0"/>
+        </a:lnRef>
+        <a:fillRef idx="3">
+          <a:scrgbClr r="0" g="0" b="0"/>
+        </a:fillRef>
+        <a:effectRef idx="3">
+          <a:scrgbClr r="0" g="0" b="0"/>
+        </a:effectRef>
+        <a:fontRef idx="minor">
+          <a:schemeClr val="lt1"/>
+        </a:fontRef>
+      </dsp:style>
+      <dsp:txBody>
+        <a:bodyPr spcFirstLastPara="0" vert="horz" wrap="square" lIns="52007" tIns="17336" rIns="17336" bIns="17336" numCol="1" spcCol="1270" anchor="ctr" anchorCtr="0">
+          <a:noAutofit/>
+        </a:bodyPr>
+        <a:lstStyle/>
+        <a:p>
+          <a:pPr lvl="0" algn="ctr" defTabSz="577850">
+            <a:lnSpc>
+              <a:spcPct val="90000"/>
+            </a:lnSpc>
+            <a:spcBef>
+              <a:spcPct val="0"/>
+            </a:spcBef>
+            <a:spcAft>
+              <a:spcPct val="35000"/>
+            </a:spcAft>
+          </a:pPr>
+          <a:r>
+            <a:rPr lang="pt-PT" sz="1300" kern="1200" dirty="0" smtClean="0"/>
+            <a:t>Análise Funcional</a:t>
+          </a:r>
+          <a:endParaRPr lang="pt-PT" sz="1300" kern="1200" dirty="0"/>
+        </a:p>
+      </dsp:txBody>
+      <dsp:txXfrm>
+        <a:off x="1550057" y="299510"/>
+        <a:ext cx="1717156" cy="686862"/>
+      </dsp:txXfrm>
+    </dsp:sp>
+    <dsp:sp modelId="{D83F50BB-0D21-4485-AAB3-10916F710F3A}">
+      <dsp:nvSpPr>
+        <dsp:cNvPr id="0" name=""/>
+        <dsp:cNvSpPr/>
+      </dsp:nvSpPr>
+      <dsp:spPr>
+        <a:xfrm>
+          <a:off x="3095498" y="299510"/>
+          <a:ext cx="1717156" cy="686862"/>
+        </a:xfrm>
+        <a:prstGeom prst="chevron">
+          <a:avLst/>
+        </a:prstGeom>
+        <a:gradFill rotWithShape="0">
+          <a:gsLst>
+            <a:gs pos="0">
+              <a:schemeClr val="accent4">
+                <a:hueOff val="-1785908"/>
+                <a:satOff val="10760"/>
+                <a:lumOff val="862"/>
+                <a:alphaOff val="0"/>
+                <a:shade val="51000"/>
+                <a:satMod val="130000"/>
+              </a:schemeClr>
+            </a:gs>
+            <a:gs pos="80000">
+              <a:schemeClr val="accent4">
+                <a:hueOff val="-1785908"/>
+                <a:satOff val="10760"/>
+                <a:lumOff val="862"/>
+                <a:alphaOff val="0"/>
+                <a:shade val="93000"/>
+                <a:satMod val="130000"/>
+              </a:schemeClr>
+            </a:gs>
+            <a:gs pos="100000">
+              <a:schemeClr val="accent4">
+                <a:hueOff val="-1785908"/>
+                <a:satOff val="10760"/>
+                <a:lumOff val="862"/>
+                <a:alphaOff val="0"/>
+                <a:shade val="94000"/>
+                <a:satMod val="135000"/>
+              </a:schemeClr>
+            </a:gs>
+          </a:gsLst>
+          <a:lin ang="16200000" scaled="0"/>
+        </a:gradFill>
+        <a:ln>
+          <a:noFill/>
+        </a:ln>
+        <a:effectLst>
+          <a:outerShdw blurRad="40000" dist="23000" dir="5400000" rotWithShape="0">
+            <a:srgbClr val="000000">
+              <a:alpha val="35000"/>
+            </a:srgbClr>
+          </a:outerShdw>
+        </a:effectLst>
+        <a:scene3d>
+          <a:camera prst="orthographicFront">
+            <a:rot lat="0" lon="0" rev="0"/>
+          </a:camera>
+          <a:lightRig rig="threePt" dir="t">
+            <a:rot lat="0" lon="0" rev="1200000"/>
+          </a:lightRig>
+        </a:scene3d>
+        <a:sp3d>
+          <a:bevelT w="63500" h="25400"/>
+        </a:sp3d>
+      </dsp:spPr>
+      <dsp:style>
+        <a:lnRef idx="0">
+          <a:scrgbClr r="0" g="0" b="0"/>
+        </a:lnRef>
+        <a:fillRef idx="3">
+          <a:scrgbClr r="0" g="0" b="0"/>
+        </a:fillRef>
+        <a:effectRef idx="3">
+          <a:scrgbClr r="0" g="0" b="0"/>
+        </a:effectRef>
+        <a:fontRef idx="minor">
+          <a:schemeClr val="lt1"/>
+        </a:fontRef>
+      </dsp:style>
+      <dsp:txBody>
+        <a:bodyPr spcFirstLastPara="0" vert="horz" wrap="square" lIns="48006" tIns="16002" rIns="16002" bIns="16002" numCol="1" spcCol="1270" anchor="ctr" anchorCtr="0">
+          <a:noAutofit/>
+        </a:bodyPr>
+        <a:lstStyle/>
+        <a:p>
+          <a:pPr lvl="0" algn="ctr" defTabSz="533400">
+            <a:lnSpc>
+              <a:spcPct val="90000"/>
+            </a:lnSpc>
+            <a:spcBef>
+              <a:spcPct val="0"/>
+            </a:spcBef>
+            <a:spcAft>
+              <a:spcPct val="35000"/>
+            </a:spcAft>
+          </a:pPr>
+          <a:r>
+            <a:rPr lang="pt-PT" sz="1200" kern="1200" dirty="0" smtClean="0"/>
+            <a:t>Análise Técnica</a:t>
+          </a:r>
+        </a:p>
+      </dsp:txBody>
+      <dsp:txXfrm>
+        <a:off x="3095498" y="299510"/>
+        <a:ext cx="1717156" cy="686862"/>
+      </dsp:txXfrm>
+    </dsp:sp>
+    <dsp:sp modelId="{15907870-5DBE-4702-8C88-0A3FA2554873}">
+      <dsp:nvSpPr>
+        <dsp:cNvPr id="0" name=""/>
+        <dsp:cNvSpPr/>
+      </dsp:nvSpPr>
+      <dsp:spPr>
+        <a:xfrm>
+          <a:off x="4640939" y="299510"/>
+          <a:ext cx="1717156" cy="686862"/>
+        </a:xfrm>
+        <a:prstGeom prst="chevron">
+          <a:avLst/>
+        </a:prstGeom>
+        <a:gradFill rotWithShape="0">
+          <a:gsLst>
+            <a:gs pos="0">
+              <a:schemeClr val="accent4">
+                <a:hueOff val="-2678862"/>
+                <a:satOff val="16139"/>
+                <a:lumOff val="1294"/>
+                <a:alphaOff val="0"/>
+                <a:shade val="51000"/>
+                <a:satMod val="130000"/>
+              </a:schemeClr>
+            </a:gs>
+            <a:gs pos="80000">
+              <a:schemeClr val="accent4">
+                <a:hueOff val="-2678862"/>
+                <a:satOff val="16139"/>
+                <a:lumOff val="1294"/>
+                <a:alphaOff val="0"/>
+                <a:shade val="93000"/>
+                <a:satMod val="130000"/>
+              </a:schemeClr>
+            </a:gs>
+            <a:gs pos="100000">
+              <a:schemeClr val="accent4">
+                <a:hueOff val="-2678862"/>
+                <a:satOff val="16139"/>
+                <a:lumOff val="1294"/>
+                <a:alphaOff val="0"/>
+                <a:shade val="94000"/>
+                <a:satMod val="135000"/>
+              </a:schemeClr>
+            </a:gs>
+          </a:gsLst>
+          <a:lin ang="16200000" scaled="0"/>
+        </a:gradFill>
+        <a:ln>
+          <a:noFill/>
+        </a:ln>
+        <a:effectLst>
+          <a:outerShdw blurRad="40000" dist="23000" dir="5400000" rotWithShape="0">
+            <a:srgbClr val="000000">
+              <a:alpha val="35000"/>
+            </a:srgbClr>
+          </a:outerShdw>
+        </a:effectLst>
+        <a:scene3d>
+          <a:camera prst="orthographicFront">
+            <a:rot lat="0" lon="0" rev="0"/>
+          </a:camera>
+          <a:lightRig rig="threePt" dir="t">
+            <a:rot lat="0" lon="0" rev="1200000"/>
+          </a:lightRig>
+        </a:scene3d>
+        <a:sp3d>
+          <a:bevelT w="63500" h="25400"/>
+        </a:sp3d>
+      </dsp:spPr>
+      <dsp:style>
+        <a:lnRef idx="0">
+          <a:scrgbClr r="0" g="0" b="0"/>
+        </a:lnRef>
+        <a:fillRef idx="3">
+          <a:scrgbClr r="0" g="0" b="0"/>
+        </a:fillRef>
+        <a:effectRef idx="3">
+          <a:scrgbClr r="0" g="0" b="0"/>
+        </a:effectRef>
+        <a:fontRef idx="minor">
+          <a:schemeClr val="lt1"/>
+        </a:fontRef>
+      </dsp:style>
+      <dsp:txBody>
+        <a:bodyPr spcFirstLastPara="0" vert="horz" wrap="square" lIns="48006" tIns="16002" rIns="16002" bIns="16002" numCol="1" spcCol="1270" anchor="ctr" anchorCtr="0">
+          <a:noAutofit/>
+        </a:bodyPr>
+        <a:lstStyle/>
+        <a:p>
+          <a:pPr lvl="0" algn="ctr" defTabSz="533400">
+            <a:lnSpc>
+              <a:spcPct val="90000"/>
+            </a:lnSpc>
+            <a:spcBef>
+              <a:spcPct val="0"/>
+            </a:spcBef>
+            <a:spcAft>
+              <a:spcPct val="35000"/>
+            </a:spcAft>
+          </a:pPr>
+          <a:r>
+            <a:rPr lang="pt-PT" sz="1200" kern="1200" baseline="0" dirty="0" smtClean="0"/>
+            <a:t>Implementação</a:t>
+          </a:r>
+        </a:p>
+      </dsp:txBody>
+      <dsp:txXfrm>
+        <a:off x="4640939" y="299510"/>
+        <a:ext cx="1717156" cy="686862"/>
+      </dsp:txXfrm>
+    </dsp:sp>
+    <dsp:sp modelId="{92281A0C-D886-4624-A0E5-6AA785C7168C}">
+      <dsp:nvSpPr>
+        <dsp:cNvPr id="0" name=""/>
+        <dsp:cNvSpPr/>
+      </dsp:nvSpPr>
+      <dsp:spPr>
+        <a:xfrm>
+          <a:off x="6186380" y="299510"/>
+          <a:ext cx="1717156" cy="686862"/>
+        </a:xfrm>
+        <a:prstGeom prst="chevron">
+          <a:avLst/>
+        </a:prstGeom>
+        <a:gradFill rotWithShape="0">
+          <a:gsLst>
+            <a:gs pos="0">
+              <a:schemeClr val="accent4">
+                <a:hueOff val="-3571816"/>
+                <a:satOff val="21519"/>
+                <a:lumOff val="1725"/>
+                <a:alphaOff val="0"/>
+                <a:shade val="51000"/>
+                <a:satMod val="130000"/>
+              </a:schemeClr>
+            </a:gs>
+            <a:gs pos="80000">
+              <a:schemeClr val="accent4">
+                <a:hueOff val="-3571816"/>
+                <a:satOff val="21519"/>
+                <a:lumOff val="1725"/>
+                <a:alphaOff val="0"/>
+                <a:shade val="93000"/>
+                <a:satMod val="130000"/>
+              </a:schemeClr>
+            </a:gs>
+            <a:gs pos="100000">
+              <a:schemeClr val="accent4">
+                <a:hueOff val="-3571816"/>
+                <a:satOff val="21519"/>
+                <a:lumOff val="1725"/>
+                <a:alphaOff val="0"/>
+                <a:shade val="94000"/>
+                <a:satMod val="135000"/>
+              </a:schemeClr>
+            </a:gs>
+          </a:gsLst>
+          <a:lin ang="16200000" scaled="0"/>
+        </a:gradFill>
+        <a:ln>
+          <a:noFill/>
+        </a:ln>
+        <a:effectLst>
+          <a:outerShdw blurRad="40000" dist="23000" dir="5400000" rotWithShape="0">
+            <a:srgbClr val="000000">
+              <a:alpha val="35000"/>
+            </a:srgbClr>
+          </a:outerShdw>
+        </a:effectLst>
+        <a:scene3d>
+          <a:camera prst="orthographicFront">
+            <a:rot lat="0" lon="0" rev="0"/>
+          </a:camera>
+          <a:lightRig rig="threePt" dir="t">
+            <a:rot lat="0" lon="0" rev="1200000"/>
+          </a:lightRig>
+        </a:scene3d>
+        <a:sp3d>
+          <a:bevelT w="63500" h="25400"/>
+        </a:sp3d>
+      </dsp:spPr>
+      <dsp:style>
+        <a:lnRef idx="0">
+          <a:scrgbClr r="0" g="0" b="0"/>
+        </a:lnRef>
+        <a:fillRef idx="3">
+          <a:scrgbClr r="0" g="0" b="0"/>
+        </a:fillRef>
+        <a:effectRef idx="3">
+          <a:scrgbClr r="0" g="0" b="0"/>
+        </a:effectRef>
+        <a:fontRef idx="minor">
+          <a:schemeClr val="lt1"/>
+        </a:fontRef>
+      </dsp:style>
+      <dsp:txBody>
+        <a:bodyPr spcFirstLastPara="0" vert="horz" wrap="square" lIns="48006" tIns="16002" rIns="16002" bIns="16002" numCol="1" spcCol="1270" anchor="ctr" anchorCtr="0">
+          <a:noAutofit/>
+        </a:bodyPr>
+        <a:lstStyle/>
+        <a:p>
+          <a:pPr lvl="0" algn="ctr" defTabSz="533400">
+            <a:lnSpc>
+              <a:spcPct val="90000"/>
+            </a:lnSpc>
+            <a:spcBef>
+              <a:spcPct val="0"/>
+            </a:spcBef>
+            <a:spcAft>
+              <a:spcPct val="35000"/>
+            </a:spcAft>
+          </a:pPr>
+          <a:r>
+            <a:rPr lang="pt-PT" sz="1200" kern="1200" dirty="0" smtClean="0"/>
+            <a:t>Testes</a:t>
+          </a:r>
+        </a:p>
+      </dsp:txBody>
+      <dsp:txXfrm>
+        <a:off x="6186380" y="299510"/>
+        <a:ext cx="1717156" cy="686862"/>
+      </dsp:txXfrm>
+    </dsp:sp>
+    <dsp:sp modelId="{CC6FFC78-9AC9-48B4-8A5C-842CE96BD54B}">
+      <dsp:nvSpPr>
+        <dsp:cNvPr id="0" name=""/>
+        <dsp:cNvSpPr/>
+      </dsp:nvSpPr>
+      <dsp:spPr>
+        <a:xfrm>
+          <a:off x="7731821" y="299510"/>
+          <a:ext cx="1717156" cy="686862"/>
+        </a:xfrm>
+        <a:prstGeom prst="chevron">
+          <a:avLst/>
+        </a:prstGeom>
+        <a:gradFill rotWithShape="0">
+          <a:gsLst>
+            <a:gs pos="0">
+              <a:schemeClr val="accent4">
+                <a:hueOff val="-4464770"/>
+                <a:satOff val="26899"/>
+                <a:lumOff val="2156"/>
+                <a:alphaOff val="0"/>
+                <a:shade val="51000"/>
+                <a:satMod val="130000"/>
+              </a:schemeClr>
+            </a:gs>
+            <a:gs pos="80000">
+              <a:schemeClr val="accent4">
+                <a:hueOff val="-4464770"/>
+                <a:satOff val="26899"/>
+                <a:lumOff val="2156"/>
+                <a:alphaOff val="0"/>
+                <a:shade val="93000"/>
+                <a:satMod val="130000"/>
+              </a:schemeClr>
+            </a:gs>
+            <a:gs pos="100000">
+              <a:schemeClr val="accent4">
+                <a:hueOff val="-4464770"/>
+                <a:satOff val="26899"/>
+                <a:lumOff val="2156"/>
+                <a:alphaOff val="0"/>
+                <a:shade val="94000"/>
+                <a:satMod val="135000"/>
+              </a:schemeClr>
+            </a:gs>
+          </a:gsLst>
+          <a:lin ang="16200000" scaled="0"/>
+        </a:gradFill>
+        <a:ln>
+          <a:noFill/>
+        </a:ln>
+        <a:effectLst>
+          <a:outerShdw blurRad="40000" dist="23000" dir="5400000" rotWithShape="0">
+            <a:srgbClr val="000000">
+              <a:alpha val="35000"/>
+            </a:srgbClr>
+          </a:outerShdw>
+        </a:effectLst>
+        <a:scene3d>
+          <a:camera prst="orthographicFront">
+            <a:rot lat="0" lon="0" rev="0"/>
+          </a:camera>
+          <a:lightRig rig="threePt" dir="t">
+            <a:rot lat="0" lon="0" rev="1200000"/>
+          </a:lightRig>
+        </a:scene3d>
+        <a:sp3d>
+          <a:bevelT w="63500" h="25400"/>
+        </a:sp3d>
+      </dsp:spPr>
+      <dsp:style>
+        <a:lnRef idx="0">
+          <a:scrgbClr r="0" g="0" b="0"/>
+        </a:lnRef>
+        <a:fillRef idx="3">
+          <a:scrgbClr r="0" g="0" b="0"/>
+        </a:fillRef>
+        <a:effectRef idx="3">
+          <a:scrgbClr r="0" g="0" b="0"/>
+        </a:effectRef>
+        <a:fontRef idx="minor">
+          <a:schemeClr val="lt1"/>
+        </a:fontRef>
+      </dsp:style>
+      <dsp:txBody>
+        <a:bodyPr spcFirstLastPara="0" vert="horz" wrap="square" lIns="48006" tIns="16002" rIns="16002" bIns="16002" numCol="1" spcCol="1270" anchor="ctr" anchorCtr="0">
+          <a:noAutofit/>
+        </a:bodyPr>
+        <a:lstStyle/>
+        <a:p>
+          <a:pPr lvl="0" algn="ctr" defTabSz="533400">
+            <a:lnSpc>
+              <a:spcPct val="90000"/>
+            </a:lnSpc>
+            <a:spcBef>
+              <a:spcPct val="0"/>
+            </a:spcBef>
+            <a:spcAft>
+              <a:spcPct val="35000"/>
+            </a:spcAft>
+          </a:pPr>
+          <a:r>
+            <a:rPr lang="pt-PT" sz="1200" kern="1200" dirty="0" err="1" smtClean="0"/>
+            <a:t>Deployment</a:t>
+          </a:r>
+          <a:endParaRPr lang="pt-PT" sz="1200" kern="1200" dirty="0" smtClean="0"/>
+        </a:p>
+      </dsp:txBody>
+      <dsp:txXfrm>
+        <a:off x="7731821" y="299510"/>
+        <a:ext cx="1717156" cy="686862"/>
+      </dsp:txXfrm>
+    </dsp:sp>
+  </dsp:spTree>
+</dsp:drawing>
 </file>
 
 <file path=ppt/diagrams/layout1.xml><?xml version="1.0" encoding="utf-8"?>
@@ -6160,7 +6852,7 @@
           <p:nvPr/>
         </p:nvPicPr>
         <p:blipFill>
-          <a:blip r:embed="rId2"/>
+          <a:blip r:embed="rId2" cstate="print"/>
           <a:srcRect/>
           <a:stretch>
             <a:fillRect/>
@@ -6225,7 +6917,7 @@
           <p:nvPr/>
         </p:nvPicPr>
         <p:blipFill>
-          <a:blip r:embed="rId2"/>
+          <a:blip r:embed="rId2" cstate="print"/>
           <a:srcRect/>
           <a:stretch>
             <a:fillRect/>
@@ -6290,7 +6982,7 @@
           <p:nvPr/>
         </p:nvPicPr>
         <p:blipFill>
-          <a:blip r:embed="rId2"/>
+          <a:blip r:embed="rId2" cstate="print"/>
           <a:srcRect/>
           <a:stretch>
             <a:fillRect/>
@@ -6355,7 +7047,7 @@
           <p:nvPr/>
         </p:nvPicPr>
         <p:blipFill>
-          <a:blip r:embed="rId2"/>
+          <a:blip r:embed="rId2" cstate="print"/>
           <a:srcRect/>
           <a:stretch>
             <a:fillRect/>
@@ -6388,7 +7080,7 @@
           <p:nvPr/>
         </p:nvPicPr>
         <p:blipFill>
-          <a:blip r:embed="rId3"/>
+          <a:blip r:embed="rId3" cstate="print"/>
           <a:srcRect/>
           <a:stretch>
             <a:fillRect/>
@@ -6453,7 +7145,7 @@
           <p:nvPr/>
         </p:nvPicPr>
         <p:blipFill>
-          <a:blip r:embed="rId2"/>
+          <a:blip r:embed="rId2" cstate="print"/>
           <a:srcRect/>
           <a:stretch>
             <a:fillRect/>
@@ -6518,7 +7210,7 @@
           <p:nvPr/>
         </p:nvPicPr>
         <p:blipFill>
-          <a:blip r:embed="rId2"/>
+          <a:blip r:embed="rId2" cstate="print"/>
           <a:srcRect/>
           <a:stretch>
             <a:fillRect/>
@@ -6551,7 +7243,7 @@
           <p:nvPr/>
         </p:nvPicPr>
         <p:blipFill>
-          <a:blip r:embed="rId3"/>
+          <a:blip r:embed="rId3" cstate="print"/>
           <a:srcRect/>
           <a:stretch>
             <a:fillRect/>
@@ -6584,7 +7276,7 @@
           <p:nvPr/>
         </p:nvPicPr>
         <p:blipFill>
-          <a:blip r:embed="rId4"/>
+          <a:blip r:embed="rId4" cstate="print"/>
           <a:srcRect l="57617" t="46250" r="2539" b="36874"/>
           <a:stretch>
             <a:fillRect/>
@@ -9960,13 +10652,162 @@
       </p:grpSpPr>
       <p:sp>
         <p:nvSpPr>
+          <p:cNvPr id="47" name="Rounded Rectangle 46"/>
+          <p:cNvSpPr/>
+          <p:nvPr/>
+        </p:nvSpPr>
+        <p:spPr>
+          <a:xfrm>
+            <a:off x="1335062" y="500042"/>
+            <a:ext cx="6572296" cy="5643602"/>
+          </a:xfrm>
+          <a:prstGeom prst="roundRect">
+            <a:avLst>
+              <a:gd name="adj" fmla="val 5206"/>
+            </a:avLst>
+          </a:prstGeom>
+          <a:noFill/>
+          <a:ln>
+            <a:solidFill>
+              <a:schemeClr val="bg1">
+                <a:lumMod val="85000"/>
+              </a:schemeClr>
+            </a:solidFill>
+          </a:ln>
+          <a:effectLst>
+            <a:outerShdw blurRad="50800" dist="38100" dir="2700000" algn="tl" rotWithShape="0">
+              <a:prstClr val="black">
+                <a:alpha val="40000"/>
+              </a:prstClr>
+            </a:outerShdw>
+          </a:effectLst>
+        </p:spPr>
+        <p:style>
+          <a:lnRef idx="2">
+            <a:schemeClr val="dk1"/>
+          </a:lnRef>
+          <a:fillRef idx="1">
+            <a:schemeClr val="lt1"/>
+          </a:fillRef>
+          <a:effectRef idx="0">
+            <a:schemeClr val="dk1"/>
+          </a:effectRef>
+          <a:fontRef idx="minor">
+            <a:schemeClr val="dk1"/>
+          </a:fontRef>
+        </p:style>
+        <p:txBody>
+          <a:bodyPr rtlCol="0" anchor="ctr"/>
+          <a:lstStyle>
+            <a:defPPr>
+              <a:defRPr lang="en-US"/>
+            </a:defPPr>
+            <a:lvl1pPr marL="0" algn="l" defTabSz="914400" rtl="0" eaLnBrk="1" latinLnBrk="0" hangingPunct="1">
+              <a:defRPr sz="1800" kern="1200">
+                <a:solidFill>
+                  <a:schemeClr val="dk1"/>
+                </a:solidFill>
+                <a:latin typeface="+mn-lt"/>
+                <a:ea typeface="+mn-ea"/>
+                <a:cs typeface="+mn-cs"/>
+              </a:defRPr>
+            </a:lvl1pPr>
+            <a:lvl2pPr marL="457200" algn="l" defTabSz="914400" rtl="0" eaLnBrk="1" latinLnBrk="0" hangingPunct="1">
+              <a:defRPr sz="1800" kern="1200">
+                <a:solidFill>
+                  <a:schemeClr val="dk1"/>
+                </a:solidFill>
+                <a:latin typeface="+mn-lt"/>
+                <a:ea typeface="+mn-ea"/>
+                <a:cs typeface="+mn-cs"/>
+              </a:defRPr>
+            </a:lvl2pPr>
+            <a:lvl3pPr marL="914400" algn="l" defTabSz="914400" rtl="0" eaLnBrk="1" latinLnBrk="0" hangingPunct="1">
+              <a:defRPr sz="1800" kern="1200">
+                <a:solidFill>
+                  <a:schemeClr val="dk1"/>
+                </a:solidFill>
+                <a:latin typeface="+mn-lt"/>
+                <a:ea typeface="+mn-ea"/>
+                <a:cs typeface="+mn-cs"/>
+              </a:defRPr>
+            </a:lvl3pPr>
+            <a:lvl4pPr marL="1371600" algn="l" defTabSz="914400" rtl="0" eaLnBrk="1" latinLnBrk="0" hangingPunct="1">
+              <a:defRPr sz="1800" kern="1200">
+                <a:solidFill>
+                  <a:schemeClr val="dk1"/>
+                </a:solidFill>
+                <a:latin typeface="+mn-lt"/>
+                <a:ea typeface="+mn-ea"/>
+                <a:cs typeface="+mn-cs"/>
+              </a:defRPr>
+            </a:lvl4pPr>
+            <a:lvl5pPr marL="1828800" algn="l" defTabSz="914400" rtl="0" eaLnBrk="1" latinLnBrk="0" hangingPunct="1">
+              <a:defRPr sz="1800" kern="1200">
+                <a:solidFill>
+                  <a:schemeClr val="dk1"/>
+                </a:solidFill>
+                <a:latin typeface="+mn-lt"/>
+                <a:ea typeface="+mn-ea"/>
+                <a:cs typeface="+mn-cs"/>
+              </a:defRPr>
+            </a:lvl5pPr>
+            <a:lvl6pPr marL="2286000" algn="l" defTabSz="914400" rtl="0" eaLnBrk="1" latinLnBrk="0" hangingPunct="1">
+              <a:defRPr sz="1800" kern="1200">
+                <a:solidFill>
+                  <a:schemeClr val="dk1"/>
+                </a:solidFill>
+                <a:latin typeface="+mn-lt"/>
+                <a:ea typeface="+mn-ea"/>
+                <a:cs typeface="+mn-cs"/>
+              </a:defRPr>
+            </a:lvl6pPr>
+            <a:lvl7pPr marL="2743200" algn="l" defTabSz="914400" rtl="0" eaLnBrk="1" latinLnBrk="0" hangingPunct="1">
+              <a:defRPr sz="1800" kern="1200">
+                <a:solidFill>
+                  <a:schemeClr val="dk1"/>
+                </a:solidFill>
+                <a:latin typeface="+mn-lt"/>
+                <a:ea typeface="+mn-ea"/>
+                <a:cs typeface="+mn-cs"/>
+              </a:defRPr>
+            </a:lvl7pPr>
+            <a:lvl8pPr marL="3200400" algn="l" defTabSz="914400" rtl="0" eaLnBrk="1" latinLnBrk="0" hangingPunct="1">
+              <a:defRPr sz="1800" kern="1200">
+                <a:solidFill>
+                  <a:schemeClr val="dk1"/>
+                </a:solidFill>
+                <a:latin typeface="+mn-lt"/>
+                <a:ea typeface="+mn-ea"/>
+                <a:cs typeface="+mn-cs"/>
+              </a:defRPr>
+            </a:lvl8pPr>
+            <a:lvl9pPr marL="3657600" algn="l" defTabSz="914400" rtl="0" eaLnBrk="1" latinLnBrk="0" hangingPunct="1">
+              <a:defRPr sz="1800" kern="1200">
+                <a:solidFill>
+                  <a:schemeClr val="dk1"/>
+                </a:solidFill>
+                <a:latin typeface="+mn-lt"/>
+                <a:ea typeface="+mn-ea"/>
+                <a:cs typeface="+mn-cs"/>
+              </a:defRPr>
+            </a:lvl9pPr>
+          </a:lstStyle>
+          <a:p>
+            <a:pPr algn="ctr"/>
+            <a:endParaRPr lang="pt-PT" sz="1200" i="1" dirty="0"/>
+          </a:p>
+        </p:txBody>
+      </p:sp>
+      <p:sp>
+        <p:nvSpPr>
           <p:cNvPr id="21" name="Rounded Rectangle 20"/>
           <p:cNvSpPr/>
           <p:nvPr/>
         </p:nvSpPr>
         <p:spPr>
           <a:xfrm>
-            <a:off x="166654" y="179364"/>
+            <a:off x="1511276" y="857232"/>
             <a:ext cx="6215106" cy="4286280"/>
           </a:xfrm>
           <a:prstGeom prst="roundRect">
@@ -10115,7 +10956,7 @@
         </p:nvSpPr>
         <p:spPr>
           <a:xfrm>
-            <a:off x="3309926" y="786587"/>
+            <a:off x="4654548" y="1464455"/>
             <a:ext cx="500066" cy="285752"/>
           </a:xfrm>
           <a:prstGeom prst="rightArrow">
@@ -10156,7 +10997,7 @@
         </p:nvSpPr>
         <p:spPr>
           <a:xfrm>
-            <a:off x="2024042" y="679430"/>
+            <a:off x="3368664" y="1357298"/>
             <a:ext cx="1285884" cy="500066"/>
           </a:xfrm>
           <a:prstGeom prst="roundRect">
@@ -10292,7 +11133,7 @@
         </p:nvSpPr>
         <p:spPr>
           <a:xfrm>
-            <a:off x="380968" y="679430"/>
+            <a:off x="1725590" y="1357298"/>
             <a:ext cx="1143007" cy="1714512"/>
           </a:xfrm>
           <a:prstGeom prst="roundRect">
@@ -10445,7 +11286,7 @@
         </p:nvSpPr>
         <p:spPr>
           <a:xfrm>
-            <a:off x="6823088" y="2643182"/>
+            <a:off x="8394724" y="3321050"/>
             <a:ext cx="857256" cy="1071570"/>
           </a:xfrm>
           <a:prstGeom prst="can">
@@ -10513,7 +11354,7 @@
         </p:nvSpPr>
         <p:spPr>
           <a:xfrm>
-            <a:off x="654020" y="77764"/>
+            <a:off x="1998642" y="755632"/>
             <a:ext cx="2155840" cy="214314"/>
           </a:xfrm>
           <a:prstGeom prst="roundRect">
@@ -10579,7 +11420,7 @@
         </p:nvSpPr>
         <p:spPr>
           <a:xfrm>
-            <a:off x="3835710" y="3608387"/>
+            <a:off x="5180332" y="4286255"/>
             <a:ext cx="191454" cy="409571"/>
           </a:xfrm>
           <a:prstGeom prst="upDownArrow">
@@ -10620,7 +11461,7 @@
         </p:nvSpPr>
         <p:spPr>
           <a:xfrm rot="5400000">
-            <a:off x="4253861" y="2462366"/>
+            <a:off x="5598483" y="3140234"/>
             <a:ext cx="469581" cy="250827"/>
           </a:xfrm>
           <a:prstGeom prst="rightArrow">
@@ -10661,7 +11502,7 @@
         </p:nvSpPr>
         <p:spPr>
           <a:xfrm>
-            <a:off x="4363637" y="1539544"/>
+            <a:off x="5708259" y="2217412"/>
             <a:ext cx="250033" cy="803678"/>
           </a:xfrm>
           <a:prstGeom prst="can">
@@ -10708,7 +11549,7 @@
         </p:nvSpPr>
         <p:spPr>
           <a:xfrm rot="16200000">
-            <a:off x="4272752" y="1269984"/>
+            <a:off x="5617374" y="1947852"/>
             <a:ext cx="431803" cy="250827"/>
           </a:xfrm>
           <a:prstGeom prst="rightArrow">
@@ -10749,7 +11590,7 @@
         </p:nvSpPr>
         <p:spPr>
           <a:xfrm>
-            <a:off x="1523976" y="786587"/>
+            <a:off x="2868598" y="1464455"/>
             <a:ext cx="500066" cy="285752"/>
           </a:xfrm>
           <a:prstGeom prst="rightArrow">
@@ -10790,7 +11631,7 @@
         </p:nvSpPr>
         <p:spPr>
           <a:xfrm>
-            <a:off x="2166918" y="1552562"/>
+            <a:off x="3511540" y="2230430"/>
             <a:ext cx="1500198" cy="304802"/>
           </a:xfrm>
           <a:prstGeom prst="roundRect">
@@ -10926,7 +11767,7 @@
         </p:nvSpPr>
         <p:spPr>
           <a:xfrm>
-            <a:off x="2166918" y="2124066"/>
+            <a:off x="3511540" y="2801934"/>
             <a:ext cx="1500198" cy="304802"/>
           </a:xfrm>
           <a:prstGeom prst="roundRect">
@@ -11064,7 +11905,7 @@
         </p:nvCxnSpPr>
         <p:spPr>
           <a:xfrm>
-            <a:off x="3667116" y="1704963"/>
+            <a:off x="5011738" y="2382831"/>
             <a:ext cx="714380" cy="190501"/>
           </a:xfrm>
           <a:prstGeom prst="straightConnector1">
@@ -11103,7 +11944,7 @@
         </p:nvCxnSpPr>
         <p:spPr>
           <a:xfrm flipV="1">
-            <a:off x="3667116" y="2071679"/>
+            <a:off x="5011738" y="2749547"/>
             <a:ext cx="714380" cy="204788"/>
           </a:xfrm>
           <a:prstGeom prst="straightConnector1">
@@ -11140,8 +11981,8 @@
         </p:nvSpPr>
         <p:spPr>
           <a:xfrm>
-            <a:off x="361204" y="4572008"/>
-            <a:ext cx="1519962" cy="928694"/>
+            <a:off x="1738290" y="5488002"/>
+            <a:ext cx="1643074" cy="1143008"/>
           </a:xfrm>
           <a:prstGeom prst="cloud">
             <a:avLst/>
@@ -11149,9 +11990,7 @@
           <a:gradFill flip="none" rotWithShape="1">
             <a:gsLst>
               <a:gs pos="0">
-                <a:srgbClr val="00B0F0">
-                  <a:alpha val="34000"/>
-                </a:srgbClr>
+                <a:srgbClr val="B3EBFF"/>
               </a:gs>
               <a:gs pos="100000">
                 <a:schemeClr val="bg1"/>
@@ -11197,7 +12036,7 @@
         </p:nvSpPr>
         <p:spPr>
           <a:xfrm>
-            <a:off x="3809992" y="679430"/>
+            <a:off x="5154614" y="1357298"/>
             <a:ext cx="1357322" cy="500066"/>
           </a:xfrm>
           <a:prstGeom prst="roundRect">
@@ -11333,7 +12172,7 @@
         </p:nvSpPr>
         <p:spPr>
           <a:xfrm>
-            <a:off x="2080966" y="4043366"/>
+            <a:off x="3425588" y="4721234"/>
             <a:ext cx="4015042" cy="1071570"/>
           </a:xfrm>
           <a:prstGeom prst="roundRect">
@@ -11390,7 +12229,7 @@
         </p:nvSpPr>
         <p:spPr>
           <a:xfrm>
-            <a:off x="2166710" y="4132267"/>
+            <a:off x="3511332" y="4810135"/>
             <a:ext cx="3843572" cy="285752"/>
           </a:xfrm>
           <a:prstGeom prst="roundRect">
@@ -11432,7 +12271,7 @@
         </p:nvSpPr>
         <p:spPr>
           <a:xfrm>
-            <a:off x="2174627" y="4481519"/>
+            <a:off x="3519249" y="5159387"/>
             <a:ext cx="911987" cy="500066"/>
           </a:xfrm>
           <a:prstGeom prst="roundRect">
@@ -11569,7 +12408,7 @@
         </p:nvSpPr>
         <p:spPr>
           <a:xfrm>
-            <a:off x="3138600" y="4481519"/>
+            <a:off x="4483222" y="5159387"/>
             <a:ext cx="911987" cy="500066"/>
           </a:xfrm>
           <a:prstGeom prst="roundRect">
@@ -11706,7 +12545,7 @@
         </p:nvSpPr>
         <p:spPr>
           <a:xfrm>
-            <a:off x="4108570" y="4481519"/>
+            <a:off x="5453192" y="5159387"/>
             <a:ext cx="911987" cy="304803"/>
           </a:xfrm>
           <a:prstGeom prst="roundRect">
@@ -11843,7 +12682,7 @@
         </p:nvSpPr>
         <p:spPr>
           <a:xfrm>
-            <a:off x="5085595" y="4481519"/>
+            <a:off x="6430217" y="5159387"/>
             <a:ext cx="911987" cy="500066"/>
           </a:xfrm>
           <a:prstGeom prst="roundRect">
@@ -11980,7 +12819,7 @@
         </p:nvGrpSpPr>
         <p:grpSpPr>
           <a:xfrm>
-            <a:off x="809596" y="2869243"/>
+            <a:off x="2154218" y="3547111"/>
             <a:ext cx="5397516" cy="714380"/>
             <a:chOff x="2666984" y="3404235"/>
             <a:chExt cx="5397516" cy="714380"/>
@@ -12889,8 +13728,8 @@
         </p:nvSpPr>
         <p:spPr>
           <a:xfrm>
-            <a:off x="1166786" y="3500438"/>
-            <a:ext cx="191454" cy="1208100"/>
+            <a:off x="2524108" y="4143380"/>
+            <a:ext cx="191454" cy="1357322"/>
           </a:xfrm>
           <a:prstGeom prst="upDownArrow">
             <a:avLst>
@@ -12930,7 +13769,7 @@
         </p:nvSpPr>
         <p:spPr>
           <a:xfrm>
-            <a:off x="4881562" y="1500174"/>
+            <a:off x="6226184" y="2178042"/>
             <a:ext cx="1357322" cy="304802"/>
           </a:xfrm>
           <a:prstGeom prst="roundRect">
@@ -13084,7 +13923,7 @@
         </p:nvCxnSpPr>
         <p:spPr>
           <a:xfrm rot="10800000" flipV="1">
-            <a:off x="4613670" y="1652575"/>
+            <a:off x="5958292" y="2330443"/>
             <a:ext cx="267892" cy="288808"/>
           </a:xfrm>
           <a:prstGeom prst="straightConnector1">
@@ -13123,7 +13962,7 @@
         </p:nvSpPr>
         <p:spPr>
           <a:xfrm rot="5400000">
-            <a:off x="2923088" y="1729848"/>
+            <a:off x="4267710" y="2407716"/>
             <a:ext cx="142876" cy="369332"/>
           </a:xfrm>
           <a:prstGeom prst="rect">
@@ -13152,7 +13991,7 @@
         </p:nvSpPr>
         <p:spPr>
           <a:xfrm>
-            <a:off x="4108570" y="4838710"/>
+            <a:off x="5453192" y="5516578"/>
             <a:ext cx="911987" cy="500066"/>
           </a:xfrm>
           <a:prstGeom prst="roundRect">
@@ -13289,7 +14128,7 @@
         </p:nvSpPr>
         <p:spPr>
           <a:xfrm>
-            <a:off x="6524636" y="2285992"/>
+            <a:off x="8096272" y="2963860"/>
             <a:ext cx="1428760" cy="1857388"/>
           </a:xfrm>
           <a:prstGeom prst="roundRect">
@@ -13438,7 +14277,7 @@
         </p:nvSpPr>
         <p:spPr>
           <a:xfrm>
-            <a:off x="6734188" y="2182804"/>
+            <a:off x="8305824" y="2860672"/>
             <a:ext cx="785818" cy="214314"/>
           </a:xfrm>
           <a:prstGeom prst="roundRect">
@@ -13504,8 +14343,8 @@
         </p:nvSpPr>
         <p:spPr>
           <a:xfrm rot="16200000">
-            <a:off x="6379381" y="2874664"/>
-            <a:ext cx="191454" cy="670565"/>
+            <a:off x="7831159" y="3445377"/>
+            <a:ext cx="191454" cy="884876"/>
           </a:xfrm>
           <a:prstGeom prst="upDownArrow">
             <a:avLst>
@@ -13545,13 +14384,13 @@
         </p:nvSpPr>
         <p:spPr>
           <a:xfrm rot="7499024">
-            <a:off x="5207828" y="2406133"/>
-            <a:ext cx="1919236" cy="2493412"/>
+            <a:off x="6423125" y="2777201"/>
+            <a:ext cx="2261477" cy="2744801"/>
           </a:xfrm>
           <a:prstGeom prst="arc">
             <a:avLst>
-              <a:gd name="adj1" fmla="val 14275288"/>
-              <a:gd name="adj2" fmla="val 19694960"/>
+              <a:gd name="adj1" fmla="val 14758899"/>
+              <a:gd name="adj2" fmla="val 19707548"/>
             </a:avLst>
           </a:prstGeom>
           <a:ln w="95250">
@@ -13579,6 +14418,92 @@
           <a:p>
             <a:pPr algn="ctr"/>
             <a:endParaRPr lang="pt-PT"/>
+          </a:p>
+        </p:txBody>
+      </p:sp>
+      <p:sp>
+        <p:nvSpPr>
+          <p:cNvPr id="49" name="Rounded Rectangle 48"/>
+          <p:cNvSpPr/>
+          <p:nvPr/>
+        </p:nvSpPr>
+        <p:spPr>
+          <a:xfrm>
+            <a:off x="1582714" y="428604"/>
+            <a:ext cx="2155840" cy="214314"/>
+          </a:xfrm>
+          <a:prstGeom prst="roundRect">
+            <a:avLst>
+              <a:gd name="adj" fmla="val 28519"/>
+            </a:avLst>
+          </a:prstGeom>
+          <a:solidFill>
+            <a:schemeClr val="bg1"/>
+          </a:solidFill>
+          <a:ln>
+            <a:solidFill>
+              <a:schemeClr val="bg1">
+                <a:lumMod val="85000"/>
+              </a:schemeClr>
+            </a:solidFill>
+          </a:ln>
+        </p:spPr>
+        <p:style>
+          <a:lnRef idx="2">
+            <a:schemeClr val="dk1"/>
+          </a:lnRef>
+          <a:fillRef idx="1">
+            <a:schemeClr val="lt1"/>
+          </a:fillRef>
+          <a:effectRef idx="0">
+            <a:schemeClr val="dk1"/>
+          </a:effectRef>
+          <a:fontRef idx="minor">
+            <a:schemeClr val="dk1"/>
+          </a:fontRef>
+        </p:style>
+        <p:txBody>
+          <a:bodyPr rtlCol="0" anchor="ctr"/>
+          <a:lstStyle/>
+          <a:p>
+            <a:pPr algn="ctr"/>
+            <a:r>
+              <a:rPr lang="pt-PT" sz="1400" b="1" dirty="0" smtClean="0">
+                <a:solidFill>
+                  <a:schemeClr val="bg1">
+                    <a:lumMod val="65000"/>
+                  </a:schemeClr>
+                </a:solidFill>
+              </a:rPr>
+              <a:t>.NET </a:t>
+            </a:r>
+            <a:r>
+              <a:rPr lang="pt-PT" sz="1400" b="1" dirty="0" err="1" smtClean="0">
+                <a:solidFill>
+                  <a:schemeClr val="bg1">
+                    <a:lumMod val="65000"/>
+                  </a:schemeClr>
+                </a:solidFill>
+              </a:rPr>
+              <a:t>Framework</a:t>
+            </a:r>
+            <a:r>
+              <a:rPr lang="pt-PT" sz="1400" b="1" dirty="0" smtClean="0">
+                <a:solidFill>
+                  <a:schemeClr val="bg1">
+                    <a:lumMod val="65000"/>
+                  </a:schemeClr>
+                </a:solidFill>
+              </a:rPr>
+              <a:t> 3.5</a:t>
+            </a:r>
+            <a:endParaRPr lang="pt-PT" sz="1400" b="1" dirty="0">
+              <a:solidFill>
+                <a:schemeClr val="bg1">
+                  <a:lumMod val="65000"/>
+                </a:schemeClr>
+              </a:solidFill>
+            </a:endParaRPr>
           </a:p>
         </p:txBody>
       </p:sp>
